--- a/勉強会資料/H30VRStudy_Document/git_study.pptx
+++ b/勉強会資料/H30VRStudy_Document/git_study.pptx
@@ -5,16 +5,25 @@
     <p:sldMasterId id="2147483696" r:id="rId1"/>
   </p:sldMasterIdLst>
   <p:notesMasterIdLst>
-    <p:notesMasterId r:id="rId6"/>
+    <p:notesMasterId r:id="rId15"/>
   </p:notesMasterIdLst>
   <p:handoutMasterIdLst>
-    <p:handoutMasterId r:id="rId7"/>
+    <p:handoutMasterId r:id="rId16"/>
   </p:handoutMasterIdLst>
   <p:sldIdLst>
     <p:sldId id="256" r:id="rId2"/>
     <p:sldId id="257" r:id="rId3"/>
-    <p:sldId id="258" r:id="rId4"/>
-    <p:sldId id="259" r:id="rId5"/>
+    <p:sldId id="262" r:id="rId4"/>
+    <p:sldId id="265" r:id="rId5"/>
+    <p:sldId id="263" r:id="rId6"/>
+    <p:sldId id="264" r:id="rId7"/>
+    <p:sldId id="266" r:id="rId8"/>
+    <p:sldId id="267" r:id="rId9"/>
+    <p:sldId id="258" r:id="rId10"/>
+    <p:sldId id="260" r:id="rId11"/>
+    <p:sldId id="261" r:id="rId12"/>
+    <p:sldId id="268" r:id="rId13"/>
+    <p:sldId id="259" r:id="rId14"/>
   </p:sldIdLst>
   <p:sldSz cx="12192000" cy="6858000"/>
   <p:notesSz cx="6735763" cy="9866313"/>
@@ -203,7 +212,7 @@
           <a:p>
             <a:fld id="{31422C3B-03B1-4D24-81BF-8DE80531513C}" type="datetimeFigureOut">
               <a:rPr kumimoji="1" lang="ja-JP" altLang="en-US" smtClean="0"/>
-              <a:t>2018/6/8</a:t>
+              <a:t>2018/6/12</a:t>
             </a:fld>
             <a:endParaRPr kumimoji="1" lang="ja-JP" altLang="en-US"/>
           </a:p>
@@ -368,7 +377,7 @@
           <a:p>
             <a:fld id="{2B7E341C-794B-4879-AE11-85889C2E8A7D}" type="datetimeFigureOut">
               <a:rPr kumimoji="1" lang="ja-JP" altLang="en-US" smtClean="0"/>
-              <a:t>2018/6/8</a:t>
+              <a:t>2018/6/12</a:t>
             </a:fld>
             <a:endParaRPr kumimoji="1" lang="ja-JP" altLang="en-US"/>
           </a:p>
@@ -799,7 +808,7 @@
           <a:p>
             <a:fld id="{B94F3231-08B8-4301-A611-5D0ED6F98098}" type="datetimeFigureOut">
               <a:rPr kumimoji="1" lang="ja-JP" altLang="en-US" smtClean="0"/>
-              <a:t>2018/6/8</a:t>
+              <a:t>2018/6/12</a:t>
             </a:fld>
             <a:endParaRPr kumimoji="1" lang="ja-JP" altLang="en-US"/>
           </a:p>
@@ -1001,7 +1010,7 @@
           <a:p>
             <a:fld id="{B94F3231-08B8-4301-A611-5D0ED6F98098}" type="datetimeFigureOut">
               <a:rPr kumimoji="1" lang="ja-JP" altLang="en-US" smtClean="0"/>
-              <a:t>2018/6/8</a:t>
+              <a:t>2018/6/12</a:t>
             </a:fld>
             <a:endParaRPr kumimoji="1" lang="ja-JP" altLang="en-US"/>
           </a:p>
@@ -1213,7 +1222,7 @@
           <a:p>
             <a:fld id="{B94F3231-08B8-4301-A611-5D0ED6F98098}" type="datetimeFigureOut">
               <a:rPr kumimoji="1" lang="ja-JP" altLang="en-US" smtClean="0"/>
-              <a:t>2018/6/8</a:t>
+              <a:t>2018/6/12</a:t>
             </a:fld>
             <a:endParaRPr kumimoji="1" lang="ja-JP" altLang="en-US"/>
           </a:p>
@@ -1415,7 +1424,7 @@
           <a:p>
             <a:fld id="{B94F3231-08B8-4301-A611-5D0ED6F98098}" type="datetimeFigureOut">
               <a:rPr kumimoji="1" lang="ja-JP" altLang="en-US" smtClean="0"/>
-              <a:t>2018/6/8</a:t>
+              <a:t>2018/6/12</a:t>
             </a:fld>
             <a:endParaRPr kumimoji="1" lang="ja-JP" altLang="en-US"/>
           </a:p>
@@ -1661,7 +1670,7 @@
           <a:p>
             <a:fld id="{B94F3231-08B8-4301-A611-5D0ED6F98098}" type="datetimeFigureOut">
               <a:rPr kumimoji="1" lang="ja-JP" altLang="en-US" smtClean="0"/>
-              <a:t>2018/6/8</a:t>
+              <a:t>2018/6/12</a:t>
             </a:fld>
             <a:endParaRPr kumimoji="1" lang="ja-JP" altLang="en-US"/>
           </a:p>
@@ -1957,7 +1966,7 @@
           <a:p>
             <a:fld id="{B94F3231-08B8-4301-A611-5D0ED6F98098}" type="datetimeFigureOut">
               <a:rPr kumimoji="1" lang="ja-JP" altLang="en-US" smtClean="0"/>
-              <a:t>2018/6/8</a:t>
+              <a:t>2018/6/12</a:t>
             </a:fld>
             <a:endParaRPr kumimoji="1" lang="ja-JP" altLang="en-US"/>
           </a:p>
@@ -2388,7 +2397,7 @@
           <a:p>
             <a:fld id="{B94F3231-08B8-4301-A611-5D0ED6F98098}" type="datetimeFigureOut">
               <a:rPr kumimoji="1" lang="ja-JP" altLang="en-US" smtClean="0"/>
-              <a:t>2018/6/8</a:t>
+              <a:t>2018/6/12</a:t>
             </a:fld>
             <a:endParaRPr kumimoji="1" lang="ja-JP" altLang="en-US"/>
           </a:p>
@@ -2506,7 +2515,7 @@
           <a:p>
             <a:fld id="{B94F3231-08B8-4301-A611-5D0ED6F98098}" type="datetimeFigureOut">
               <a:rPr kumimoji="1" lang="ja-JP" altLang="en-US" smtClean="0"/>
-              <a:t>2018/6/8</a:t>
+              <a:t>2018/6/12</a:t>
             </a:fld>
             <a:endParaRPr kumimoji="1" lang="ja-JP" altLang="en-US"/>
           </a:p>
@@ -2601,7 +2610,7 @@
           <a:p>
             <a:fld id="{B94F3231-08B8-4301-A611-5D0ED6F98098}" type="datetimeFigureOut">
               <a:rPr kumimoji="1" lang="ja-JP" altLang="en-US" smtClean="0"/>
-              <a:t>2018/6/8</a:t>
+              <a:t>2018/6/12</a:t>
             </a:fld>
             <a:endParaRPr kumimoji="1" lang="ja-JP" altLang="en-US"/>
           </a:p>
@@ -2910,7 +2919,7 @@
           <a:p>
             <a:fld id="{B94F3231-08B8-4301-A611-5D0ED6F98098}" type="datetimeFigureOut">
               <a:rPr kumimoji="1" lang="ja-JP" altLang="en-US" smtClean="0"/>
-              <a:t>2018/6/8</a:t>
+              <a:t>2018/6/12</a:t>
             </a:fld>
             <a:endParaRPr kumimoji="1" lang="ja-JP" altLang="en-US"/>
           </a:p>
@@ -3163,7 +3172,7 @@
           <a:p>
             <a:fld id="{B94F3231-08B8-4301-A611-5D0ED6F98098}" type="datetimeFigureOut">
               <a:rPr kumimoji="1" lang="ja-JP" altLang="en-US" smtClean="0"/>
-              <a:t>2018/6/8</a:t>
+              <a:t>2018/6/12</a:t>
             </a:fld>
             <a:endParaRPr kumimoji="1" lang="ja-JP" altLang="en-US"/>
           </a:p>
@@ -3429,7 +3438,7 @@
           <a:p>
             <a:fld id="{B94F3231-08B8-4301-A611-5D0ED6F98098}" type="datetimeFigureOut">
               <a:rPr kumimoji="1" lang="ja-JP" altLang="en-US" smtClean="0"/>
-              <a:t>2018/6/8</a:t>
+              <a:t>2018/6/12</a:t>
             </a:fld>
             <a:endParaRPr kumimoji="1" lang="ja-JP" altLang="en-US"/>
           </a:p>
@@ -3855,16 +3864,100 @@
           <a:lstStyle/>
           <a:p>
             <a:r>
+              <a:rPr kumimoji="1" lang="en-US" altLang="ja-JP" dirty="0" err="1" smtClean="0">
+                <a:latin typeface="HGS創英ﾌﾟﾚｾﾞﾝｽEB" panose="02020800000000000000" pitchFamily="18" charset="-128"/>
+                <a:ea typeface="HGS創英ﾌﾟﾚｾﾞﾝｽEB" panose="02020800000000000000" pitchFamily="18" charset="-128"/>
+              </a:rPr>
+              <a:t>GitKraken</a:t>
+            </a:r>
+            <a:r>
               <a:rPr kumimoji="1" lang="en-US" altLang="ja-JP" dirty="0" smtClean="0">
                 <a:latin typeface="HGS創英ﾌﾟﾚｾﾞﾝｽEB" panose="02020800000000000000" pitchFamily="18" charset="-128"/>
                 <a:ea typeface="HGS創英ﾌﾟﾚｾﾞﾝｽEB" panose="02020800000000000000" pitchFamily="18" charset="-128"/>
               </a:rPr>
-              <a:t>GitHub Study</a:t>
+              <a:t> </a:t>
+            </a:r>
+            <a:r>
+              <a:rPr kumimoji="1" lang="en-US" altLang="ja-JP" dirty="0" smtClean="0">
+                <a:latin typeface="HGS創英ﾌﾟﾚｾﾞﾝｽEB" panose="02020800000000000000" pitchFamily="18" charset="-128"/>
+                <a:ea typeface="HGS創英ﾌﾟﾚｾﾞﾝｽEB" panose="02020800000000000000" pitchFamily="18" charset="-128"/>
+              </a:rPr>
+              <a:t>Study</a:t>
             </a:r>
             <a:endParaRPr kumimoji="1" lang="ja-JP" altLang="en-US" dirty="0">
               <a:latin typeface="HGS創英ﾌﾟﾚｾﾞﾝｽEB" panose="02020800000000000000" pitchFamily="18" charset="-128"/>
               <a:ea typeface="HGS創英ﾌﾟﾚｾﾞﾝｽEB" panose="02020800000000000000" pitchFamily="18" charset="-128"/>
             </a:endParaRPr>
+          </a:p>
+        </p:txBody>
+      </p:sp>
+      <p:sp>
+        <p:nvSpPr>
+          <p:cNvPr id="3" name="テキスト ボックス 2"/>
+          <p:cNvSpPr txBox="1"/>
+          <p:nvPr/>
+        </p:nvSpPr>
+        <p:spPr>
+          <a:xfrm>
+            <a:off x="3211032" y="5964866"/>
+            <a:ext cx="8580476" cy="923330"/>
+          </a:xfrm>
+          <a:prstGeom prst="rect">
+            <a:avLst/>
+          </a:prstGeom>
+          <a:noFill/>
+        </p:spPr>
+        <p:txBody>
+          <a:bodyPr wrap="square" rtlCol="0">
+            <a:spAutoFit/>
+          </a:bodyPr>
+          <a:lstStyle/>
+          <a:p>
+            <a:r>
+              <a:rPr lang="ja-JP" altLang="en-US" dirty="0" smtClean="0"/>
+              <a:t>参照：</a:t>
+            </a:r>
+            <a:r>
+              <a:rPr lang="en-US" altLang="ja-JP" dirty="0" smtClean="0">
+                <a:hlinkClick r:id="rId2"/>
+              </a:rPr>
+              <a:t>http</a:t>
+            </a:r>
+            <a:r>
+              <a:rPr lang="en-US" altLang="ja-JP" dirty="0">
+                <a:hlinkClick r:id="rId2"/>
+              </a:rPr>
+              <a:t>://</a:t>
+            </a:r>
+            <a:r>
+              <a:rPr lang="en-US" altLang="ja-JP" dirty="0" smtClean="0">
+                <a:hlinkClick r:id="rId2"/>
+              </a:rPr>
+              <a:t>tracpath.com/bootcamp/learning_git_gitkraken.html#i-5</a:t>
+            </a:r>
+            <a:endParaRPr lang="en-US" altLang="ja-JP" dirty="0" smtClean="0"/>
+          </a:p>
+          <a:p>
+            <a:r>
+              <a:rPr kumimoji="1" lang="ja-JP" altLang="en-US" dirty="0" smtClean="0"/>
+              <a:t>おまけ：</a:t>
+            </a:r>
+            <a:r>
+              <a:rPr lang="en-US" altLang="ja-JP" dirty="0">
+                <a:hlinkClick r:id="rId3"/>
+              </a:rPr>
+              <a:t>https://</a:t>
+            </a:r>
+            <a:r>
+              <a:rPr lang="en-US" altLang="ja-JP" dirty="0" smtClean="0">
+                <a:hlinkClick r:id="rId3"/>
+              </a:rPr>
+              <a:t>qiita.com/carotene4035/items/469569a5b5b9904f7d32</a:t>
+            </a:r>
+            <a:endParaRPr lang="en-US" altLang="ja-JP" dirty="0" smtClean="0"/>
+          </a:p>
+          <a:p>
+            <a:endParaRPr lang="en-US" altLang="ja-JP" dirty="0" smtClean="0"/>
           </a:p>
         </p:txBody>
       </p:sp>
@@ -3888,6 +3981,677 @@
 </p:sld>
 </file>
 
+<file path=ppt/slides/slide10.xml><?xml version="1.0" encoding="utf-8"?>
+<p:sld xmlns:a="http://schemas.openxmlformats.org/drawingml/2006/main" xmlns:r="http://schemas.openxmlformats.org/officeDocument/2006/relationships" xmlns:p="http://schemas.openxmlformats.org/presentationml/2006/main">
+  <p:cSld>
+    <p:spTree>
+      <p:nvGrpSpPr>
+        <p:cNvPr id="1" name=""/>
+        <p:cNvGrpSpPr/>
+        <p:nvPr/>
+      </p:nvGrpSpPr>
+      <p:grpSpPr>
+        <a:xfrm>
+          <a:off x="0" y="0"/>
+          <a:ext cx="0" cy="0"/>
+          <a:chOff x="0" y="0"/>
+          <a:chExt cx="0" cy="0"/>
+        </a:xfrm>
+      </p:grpSpPr>
+      <p:sp>
+        <p:nvSpPr>
+          <p:cNvPr id="4" name="楕円 3"/>
+          <p:cNvSpPr/>
+          <p:nvPr/>
+        </p:nvSpPr>
+        <p:spPr>
+          <a:xfrm>
+            <a:off x="723014" y="4688958"/>
+            <a:ext cx="5135526" cy="1871330"/>
+          </a:xfrm>
+          <a:prstGeom prst="ellipse">
+            <a:avLst/>
+          </a:prstGeom>
+          <a:ln w="28575">
+            <a:solidFill>
+              <a:schemeClr val="tx1"/>
+            </a:solidFill>
+          </a:ln>
+        </p:spPr>
+        <p:style>
+          <a:lnRef idx="2">
+            <a:schemeClr val="accent6"/>
+          </a:lnRef>
+          <a:fillRef idx="1">
+            <a:schemeClr val="lt1"/>
+          </a:fillRef>
+          <a:effectRef idx="0">
+            <a:schemeClr val="accent6"/>
+          </a:effectRef>
+          <a:fontRef idx="minor">
+            <a:schemeClr val="dk1"/>
+          </a:fontRef>
+        </p:style>
+        <p:txBody>
+          <a:bodyPr rtlCol="0" anchor="ctr"/>
+          <a:lstStyle/>
+          <a:p>
+            <a:pPr algn="ctr"/>
+            <a:r>
+              <a:rPr kumimoji="1" lang="ja-JP" altLang="en-US" sz="4000" dirty="0" smtClean="0"/>
+              <a:t>ローカル</a:t>
+            </a:r>
+            <a:endParaRPr kumimoji="1" lang="ja-JP" altLang="en-US" sz="4000" dirty="0"/>
+          </a:p>
+        </p:txBody>
+      </p:sp>
+      <p:sp>
+        <p:nvSpPr>
+          <p:cNvPr id="5" name="楕円 4"/>
+          <p:cNvSpPr/>
+          <p:nvPr/>
+        </p:nvSpPr>
+        <p:spPr>
+          <a:xfrm>
+            <a:off x="723014" y="450112"/>
+            <a:ext cx="5135526" cy="1871330"/>
+          </a:xfrm>
+          <a:prstGeom prst="ellipse">
+            <a:avLst/>
+          </a:prstGeom>
+          <a:ln w="28575">
+            <a:solidFill>
+              <a:schemeClr val="tx1"/>
+            </a:solidFill>
+          </a:ln>
+        </p:spPr>
+        <p:style>
+          <a:lnRef idx="2">
+            <a:schemeClr val="accent6"/>
+          </a:lnRef>
+          <a:fillRef idx="1">
+            <a:schemeClr val="lt1"/>
+          </a:fillRef>
+          <a:effectRef idx="0">
+            <a:schemeClr val="accent6"/>
+          </a:effectRef>
+          <a:fontRef idx="minor">
+            <a:schemeClr val="dk1"/>
+          </a:fontRef>
+        </p:style>
+        <p:txBody>
+          <a:bodyPr rtlCol="0" anchor="ctr"/>
+          <a:lstStyle/>
+          <a:p>
+            <a:pPr algn="ctr"/>
+            <a:r>
+              <a:rPr kumimoji="1" lang="ja-JP" altLang="en-US" sz="4000" dirty="0" smtClean="0"/>
+              <a:t>リモート</a:t>
+            </a:r>
+            <a:endParaRPr kumimoji="1" lang="ja-JP" altLang="en-US" sz="4000" dirty="0"/>
+          </a:p>
+        </p:txBody>
+      </p:sp>
+      <p:cxnSp>
+        <p:nvCxnSpPr>
+          <p:cNvPr id="7" name="直線矢印コネクタ 6"/>
+          <p:cNvCxnSpPr>
+            <a:stCxn id="5" idx="3"/>
+            <a:endCxn id="4" idx="1"/>
+          </p:cNvCxnSpPr>
+          <p:nvPr/>
+        </p:nvCxnSpPr>
+        <p:spPr>
+          <a:xfrm>
+            <a:off x="1475094" y="2047392"/>
+            <a:ext cx="0" cy="2915616"/>
+          </a:xfrm>
+          <a:prstGeom prst="straightConnector1">
+            <a:avLst/>
+          </a:prstGeom>
+          <a:ln w="76200">
+            <a:solidFill>
+              <a:schemeClr val="tx1"/>
+            </a:solidFill>
+            <a:tailEnd type="triangle"/>
+          </a:ln>
+        </p:spPr>
+        <p:style>
+          <a:lnRef idx="1">
+            <a:schemeClr val="accent1"/>
+          </a:lnRef>
+          <a:fillRef idx="0">
+            <a:schemeClr val="accent1"/>
+          </a:fillRef>
+          <a:effectRef idx="0">
+            <a:schemeClr val="accent1"/>
+          </a:effectRef>
+          <a:fontRef idx="minor">
+            <a:schemeClr val="tx1"/>
+          </a:fontRef>
+        </p:style>
+      </p:cxnSp>
+      <p:cxnSp>
+        <p:nvCxnSpPr>
+          <p:cNvPr id="9" name="直線矢印コネクタ 8"/>
+          <p:cNvCxnSpPr>
+            <a:stCxn id="4" idx="7"/>
+            <a:endCxn id="5" idx="5"/>
+          </p:cNvCxnSpPr>
+          <p:nvPr/>
+        </p:nvCxnSpPr>
+        <p:spPr>
+          <a:xfrm flipV="1">
+            <a:off x="5106460" y="2047392"/>
+            <a:ext cx="0" cy="2915616"/>
+          </a:xfrm>
+          <a:prstGeom prst="straightConnector1">
+            <a:avLst/>
+          </a:prstGeom>
+          <a:ln w="76200">
+            <a:solidFill>
+              <a:schemeClr val="tx1"/>
+            </a:solidFill>
+            <a:tailEnd type="triangle"/>
+          </a:ln>
+        </p:spPr>
+        <p:style>
+          <a:lnRef idx="1">
+            <a:schemeClr val="accent1"/>
+          </a:lnRef>
+          <a:fillRef idx="0">
+            <a:schemeClr val="accent1"/>
+          </a:fillRef>
+          <a:effectRef idx="0">
+            <a:schemeClr val="accent1"/>
+          </a:effectRef>
+          <a:fontRef idx="minor">
+            <a:schemeClr val="tx1"/>
+          </a:fontRef>
+        </p:style>
+      </p:cxnSp>
+      <p:sp>
+        <p:nvSpPr>
+          <p:cNvPr id="12" name="テキスト ボックス 11"/>
+          <p:cNvSpPr txBox="1"/>
+          <p:nvPr/>
+        </p:nvSpPr>
+        <p:spPr>
+          <a:xfrm>
+            <a:off x="382772" y="3030279"/>
+            <a:ext cx="946298" cy="584775"/>
+          </a:xfrm>
+          <a:prstGeom prst="rect">
+            <a:avLst/>
+          </a:prstGeom>
+          <a:noFill/>
+        </p:spPr>
+        <p:txBody>
+          <a:bodyPr wrap="square" rtlCol="0">
+            <a:spAutoFit/>
+          </a:bodyPr>
+          <a:lstStyle/>
+          <a:p>
+            <a:r>
+              <a:rPr kumimoji="1" lang="en-US" altLang="ja-JP" sz="3200" dirty="0" smtClean="0"/>
+              <a:t>pull</a:t>
+            </a:r>
+            <a:endParaRPr kumimoji="1" lang="ja-JP" altLang="en-US" sz="3200" dirty="0"/>
+          </a:p>
+        </p:txBody>
+      </p:sp>
+      <p:sp>
+        <p:nvSpPr>
+          <p:cNvPr id="13" name="テキスト ボックス 12"/>
+          <p:cNvSpPr txBox="1"/>
+          <p:nvPr/>
+        </p:nvSpPr>
+        <p:spPr>
+          <a:xfrm>
+            <a:off x="3944679" y="3030279"/>
+            <a:ext cx="1116420" cy="584775"/>
+          </a:xfrm>
+          <a:prstGeom prst="rect">
+            <a:avLst/>
+          </a:prstGeom>
+          <a:noFill/>
+        </p:spPr>
+        <p:txBody>
+          <a:bodyPr wrap="square" rtlCol="0">
+            <a:spAutoFit/>
+          </a:bodyPr>
+          <a:lstStyle/>
+          <a:p>
+            <a:r>
+              <a:rPr kumimoji="1" lang="en-US" altLang="ja-JP" sz="3200" dirty="0" smtClean="0"/>
+              <a:t>push</a:t>
+            </a:r>
+            <a:endParaRPr kumimoji="1" lang="ja-JP" altLang="en-US" sz="3200" dirty="0"/>
+          </a:p>
+        </p:txBody>
+      </p:sp>
+      <p:sp>
+        <p:nvSpPr>
+          <p:cNvPr id="15" name="テキスト ボックス 14"/>
+          <p:cNvSpPr txBox="1"/>
+          <p:nvPr/>
+        </p:nvSpPr>
+        <p:spPr>
+          <a:xfrm>
+            <a:off x="5986130" y="276447"/>
+            <a:ext cx="5879805" cy="5786199"/>
+          </a:xfrm>
+          <a:prstGeom prst="rect">
+            <a:avLst/>
+          </a:prstGeom>
+          <a:noFill/>
+        </p:spPr>
+        <p:txBody>
+          <a:bodyPr wrap="square" rtlCol="0">
+            <a:spAutoFit/>
+          </a:bodyPr>
+          <a:lstStyle/>
+          <a:p>
+            <a:pPr marL="285750" indent="-285750">
+              <a:buFont typeface="Arial" panose="020B0604020202020204" pitchFamily="34" charset="0"/>
+              <a:buChar char="•"/>
+            </a:pPr>
+            <a:r>
+              <a:rPr lang="ja-JP" altLang="en-US" sz="3200" dirty="0" smtClean="0"/>
+              <a:t>リモートはネット上だと思ってもらえれば結構</a:t>
+            </a:r>
+            <a:r>
+              <a:rPr lang="en-US" altLang="ja-JP" sz="3200" dirty="0" smtClean="0"/>
+              <a:t>(</a:t>
+            </a:r>
+            <a:r>
+              <a:rPr lang="ja-JP" altLang="en-US" sz="3200" dirty="0" smtClean="0"/>
+              <a:t>僕もよくわかってない</a:t>
+            </a:r>
+            <a:r>
+              <a:rPr lang="en-US" altLang="ja-JP" sz="3200" dirty="0" smtClean="0"/>
+              <a:t>)</a:t>
+            </a:r>
+          </a:p>
+          <a:p>
+            <a:pPr marL="285750" indent="-285750">
+              <a:buFont typeface="Arial" panose="020B0604020202020204" pitchFamily="34" charset="0"/>
+              <a:buChar char="•"/>
+            </a:pPr>
+            <a:endParaRPr lang="en-US" altLang="ja-JP" sz="3200" dirty="0"/>
+          </a:p>
+          <a:p>
+            <a:pPr marL="285750" indent="-285750">
+              <a:buFont typeface="Arial" panose="020B0604020202020204" pitchFamily="34" charset="0"/>
+              <a:buChar char="•"/>
+            </a:pPr>
+            <a:r>
+              <a:rPr lang="ja-JP" altLang="en-US" sz="3200" dirty="0" smtClean="0"/>
+              <a:t>ローカルは自身の</a:t>
+            </a:r>
+            <a:r>
+              <a:rPr lang="en-US" altLang="ja-JP" sz="3200" dirty="0" smtClean="0"/>
+              <a:t>PC</a:t>
+            </a:r>
+          </a:p>
+          <a:p>
+            <a:pPr marL="285750" indent="-285750">
+              <a:buFont typeface="Arial" panose="020B0604020202020204" pitchFamily="34" charset="0"/>
+              <a:buChar char="•"/>
+            </a:pPr>
+            <a:endParaRPr lang="en-US" altLang="ja-JP" sz="3200" dirty="0"/>
+          </a:p>
+          <a:p>
+            <a:pPr marL="285750" indent="-285750">
+              <a:buFont typeface="Arial" panose="020B0604020202020204" pitchFamily="34" charset="0"/>
+              <a:buChar char="•"/>
+            </a:pPr>
+            <a:r>
+              <a:rPr lang="en-US" altLang="ja-JP" sz="3200" dirty="0" smtClean="0"/>
+              <a:t>push</a:t>
+            </a:r>
+            <a:r>
+              <a:rPr lang="ja-JP" altLang="en-US" sz="3200" dirty="0" smtClean="0"/>
+              <a:t>する前には必ずローカルの更新記録を最新にする</a:t>
+            </a:r>
+            <a:r>
+              <a:rPr lang="en-US" altLang="ja-JP" sz="3200" dirty="0" smtClean="0"/>
+              <a:t>(pull</a:t>
+            </a:r>
+            <a:r>
+              <a:rPr lang="ja-JP" altLang="en-US" sz="3200" dirty="0" smtClean="0"/>
+              <a:t>する</a:t>
+            </a:r>
+            <a:r>
+              <a:rPr lang="en-US" altLang="ja-JP" sz="3200" dirty="0" smtClean="0"/>
+              <a:t>)</a:t>
+            </a:r>
+          </a:p>
+          <a:p>
+            <a:pPr marL="285750" indent="-285750">
+              <a:buFont typeface="Arial" panose="020B0604020202020204" pitchFamily="34" charset="0"/>
+              <a:buChar char="•"/>
+            </a:pPr>
+            <a:endParaRPr lang="en-US" altLang="ja-JP" sz="3200" dirty="0"/>
+          </a:p>
+          <a:p>
+            <a:endParaRPr lang="en-US" altLang="ja-JP" sz="3200" dirty="0"/>
+          </a:p>
+          <a:p>
+            <a:pPr marL="285750" indent="-285750">
+              <a:buFont typeface="Arial" panose="020B0604020202020204" pitchFamily="34" charset="0"/>
+              <a:buChar char="•"/>
+            </a:pPr>
+            <a:endParaRPr kumimoji="1" lang="en-US" altLang="ja-JP" dirty="0" smtClean="0"/>
+          </a:p>
+        </p:txBody>
+      </p:sp>
+    </p:spTree>
+    <p:extLst>
+      <p:ext uri="{BB962C8B-B14F-4D97-AF65-F5344CB8AC3E}">
+        <p14:creationId xmlns:p14="http://schemas.microsoft.com/office/powerpoint/2010/main" val="2952146072"/>
+      </p:ext>
+    </p:extLst>
+  </p:cSld>
+  <p:clrMapOvr>
+    <a:masterClrMapping/>
+  </p:clrMapOvr>
+</p:sld>
+</file>
+
+<file path=ppt/slides/slide11.xml><?xml version="1.0" encoding="utf-8"?>
+<p:sld xmlns:a="http://schemas.openxmlformats.org/drawingml/2006/main" xmlns:r="http://schemas.openxmlformats.org/officeDocument/2006/relationships" xmlns:p="http://schemas.openxmlformats.org/presentationml/2006/main">
+  <p:cSld>
+    <p:spTree>
+      <p:nvGrpSpPr>
+        <p:cNvPr id="1" name=""/>
+        <p:cNvGrpSpPr/>
+        <p:nvPr/>
+      </p:nvGrpSpPr>
+      <p:grpSpPr>
+        <a:xfrm>
+          <a:off x="0" y="0"/>
+          <a:ext cx="0" cy="0"/>
+          <a:chOff x="0" y="0"/>
+          <a:chExt cx="0" cy="0"/>
+        </a:xfrm>
+      </p:grpSpPr>
+      <p:sp>
+        <p:nvSpPr>
+          <p:cNvPr id="2" name="タイトル 1"/>
+          <p:cNvSpPr>
+            <a:spLocks noGrp="1"/>
+          </p:cNvSpPr>
+          <p:nvPr>
+            <p:ph type="title"/>
+          </p:nvPr>
+        </p:nvSpPr>
+        <p:spPr>
+          <a:xfrm>
+            <a:off x="838200" y="365125"/>
+            <a:ext cx="10515600" cy="1006475"/>
+          </a:xfrm>
+        </p:spPr>
+        <p:txBody>
+          <a:bodyPr/>
+          <a:lstStyle/>
+          <a:p>
+            <a:r>
+              <a:rPr lang="en-US" altLang="ja-JP" dirty="0" smtClean="0"/>
+              <a:t>pull</a:t>
+            </a:r>
+            <a:r>
+              <a:rPr lang="ja-JP" altLang="en-US" dirty="0" smtClean="0"/>
+              <a:t>したファイルを開いてみよう</a:t>
+            </a:r>
+            <a:endParaRPr kumimoji="1" lang="ja-JP" altLang="en-US" dirty="0"/>
+          </a:p>
+        </p:txBody>
+      </p:sp>
+      <p:pic>
+        <p:nvPicPr>
+          <p:cNvPr id="6" name="図 5"/>
+          <p:cNvPicPr>
+            <a:picLocks noChangeAspect="1"/>
+          </p:cNvPicPr>
+          <p:nvPr/>
+        </p:nvPicPr>
+        <p:blipFill>
+          <a:blip r:embed="rId2">
+            <a:extLst>
+              <a:ext uri="{28A0092B-C50C-407E-A947-70E740481C1C}">
+                <a14:useLocalDpi xmlns:a14="http://schemas.microsoft.com/office/drawing/2010/main" val="0"/>
+              </a:ext>
+            </a:extLst>
+          </a:blip>
+          <a:stretch>
+            <a:fillRect/>
+          </a:stretch>
+        </p:blipFill>
+        <p:spPr>
+          <a:xfrm>
+            <a:off x="306572" y="1371600"/>
+            <a:ext cx="6858000" cy="5041900"/>
+          </a:xfrm>
+          <a:prstGeom prst="rect">
+            <a:avLst/>
+          </a:prstGeom>
+        </p:spPr>
+      </p:pic>
+      <p:sp>
+        <p:nvSpPr>
+          <p:cNvPr id="7" name="テキスト ボックス 6"/>
+          <p:cNvSpPr txBox="1"/>
+          <p:nvPr/>
+        </p:nvSpPr>
+        <p:spPr>
+          <a:xfrm>
+            <a:off x="7697971" y="1669312"/>
+            <a:ext cx="4178595" cy="2246769"/>
+          </a:xfrm>
+          <a:prstGeom prst="rect">
+            <a:avLst/>
+          </a:prstGeom>
+          <a:noFill/>
+        </p:spPr>
+        <p:txBody>
+          <a:bodyPr wrap="square" rtlCol="0">
+            <a:spAutoFit/>
+          </a:bodyPr>
+          <a:lstStyle/>
+          <a:p>
+            <a:r>
+              <a:rPr kumimoji="1" lang="ja-JP" altLang="en-US" sz="2800" dirty="0" smtClean="0"/>
+              <a:t>今回は</a:t>
+            </a:r>
+            <a:r>
+              <a:rPr kumimoji="1" lang="en-US" altLang="ja-JP" sz="2800" dirty="0" err="1" smtClean="0"/>
+              <a:t>git</a:t>
+            </a:r>
+            <a:r>
+              <a:rPr lang="en-US" altLang="ja-JP" sz="2800" dirty="0" smtClean="0"/>
+              <a:t>-VR-study</a:t>
+            </a:r>
+          </a:p>
+          <a:p>
+            <a:endParaRPr kumimoji="1" lang="en-US" altLang="ja-JP" sz="2800" dirty="0" smtClean="0"/>
+          </a:p>
+          <a:p>
+            <a:r>
+              <a:rPr kumimoji="1" lang="ja-JP" altLang="en-US" sz="2800" dirty="0" smtClean="0"/>
+              <a:t>ここでファイルを更新したり追加したりすると</a:t>
+            </a:r>
+            <a:r>
+              <a:rPr kumimoji="1" lang="en-US" altLang="ja-JP" sz="2800" dirty="0" err="1" smtClean="0"/>
+              <a:t>GitKraken</a:t>
+            </a:r>
+            <a:r>
+              <a:rPr kumimoji="1" lang="ja-JP" altLang="en-US" sz="2800" dirty="0" smtClean="0"/>
+              <a:t>に反映される</a:t>
+            </a:r>
+            <a:endParaRPr kumimoji="1" lang="ja-JP" altLang="en-US" sz="2800" dirty="0"/>
+          </a:p>
+        </p:txBody>
+      </p:sp>
+    </p:spTree>
+    <p:extLst>
+      <p:ext uri="{BB962C8B-B14F-4D97-AF65-F5344CB8AC3E}">
+        <p14:creationId xmlns:p14="http://schemas.microsoft.com/office/powerpoint/2010/main" val="1559969077"/>
+      </p:ext>
+    </p:extLst>
+  </p:cSld>
+  <p:clrMapOvr>
+    <a:masterClrMapping/>
+  </p:clrMapOvr>
+</p:sld>
+</file>
+
+<file path=ppt/slides/slide12.xml><?xml version="1.0" encoding="utf-8"?>
+<p:sld xmlns:a="http://schemas.openxmlformats.org/drawingml/2006/main" xmlns:r="http://schemas.openxmlformats.org/officeDocument/2006/relationships" xmlns:p="http://schemas.openxmlformats.org/presentationml/2006/main">
+  <p:cSld>
+    <p:spTree>
+      <p:nvGrpSpPr>
+        <p:cNvPr id="1" name=""/>
+        <p:cNvGrpSpPr/>
+        <p:nvPr/>
+      </p:nvGrpSpPr>
+      <p:grpSpPr>
+        <a:xfrm>
+          <a:off x="0" y="0"/>
+          <a:ext cx="0" cy="0"/>
+          <a:chOff x="0" y="0"/>
+          <a:chExt cx="0" cy="0"/>
+        </a:xfrm>
+      </p:grpSpPr>
+      <p:sp>
+        <p:nvSpPr>
+          <p:cNvPr id="2" name="タイトル 1"/>
+          <p:cNvSpPr>
+            <a:spLocks noGrp="1"/>
+          </p:cNvSpPr>
+          <p:nvPr>
+            <p:ph type="title"/>
+          </p:nvPr>
+        </p:nvSpPr>
+        <p:spPr>
+          <a:xfrm>
+            <a:off x="838200" y="365125"/>
+            <a:ext cx="10515600" cy="963945"/>
+          </a:xfrm>
+        </p:spPr>
+        <p:txBody>
+          <a:bodyPr/>
+          <a:lstStyle/>
+          <a:p>
+            <a:r>
+              <a:rPr lang="ja-JP" altLang="en-US" dirty="0" smtClean="0"/>
+              <a:t>さぁ</a:t>
+            </a:r>
+            <a:r>
+              <a:rPr lang="en-US" altLang="ja-JP" dirty="0" smtClean="0"/>
+              <a:t>commit(</a:t>
+            </a:r>
+            <a:r>
+              <a:rPr lang="ja-JP" altLang="en-US" dirty="0" smtClean="0"/>
+              <a:t>綴りあってる？</a:t>
+            </a:r>
+            <a:r>
+              <a:rPr lang="en-US" altLang="ja-JP" dirty="0" smtClean="0"/>
+              <a:t>)</a:t>
+            </a:r>
+            <a:r>
+              <a:rPr lang="ja-JP" altLang="en-US" dirty="0" smtClean="0"/>
+              <a:t>だ</a:t>
+            </a:r>
+            <a:endParaRPr kumimoji="1" lang="ja-JP" altLang="en-US" dirty="0"/>
+          </a:p>
+        </p:txBody>
+      </p:sp>
+    </p:spTree>
+    <p:extLst>
+      <p:ext uri="{BB962C8B-B14F-4D97-AF65-F5344CB8AC3E}">
+        <p14:creationId xmlns:p14="http://schemas.microsoft.com/office/powerpoint/2010/main" val="626852475"/>
+      </p:ext>
+    </p:extLst>
+  </p:cSld>
+  <p:clrMapOvr>
+    <a:masterClrMapping/>
+  </p:clrMapOvr>
+</p:sld>
+</file>
+
+<file path=ppt/slides/slide13.xml><?xml version="1.0" encoding="utf-8"?>
+<p:sld xmlns:a="http://schemas.openxmlformats.org/drawingml/2006/main" xmlns:r="http://schemas.openxmlformats.org/officeDocument/2006/relationships" xmlns:p="http://schemas.openxmlformats.org/presentationml/2006/main">
+  <p:cSld>
+    <p:spTree>
+      <p:nvGrpSpPr>
+        <p:cNvPr id="1" name=""/>
+        <p:cNvGrpSpPr/>
+        <p:nvPr/>
+      </p:nvGrpSpPr>
+      <p:grpSpPr>
+        <a:xfrm>
+          <a:off x="0" y="0"/>
+          <a:ext cx="0" cy="0"/>
+          <a:chOff x="0" y="0"/>
+          <a:chExt cx="0" cy="0"/>
+        </a:xfrm>
+      </p:grpSpPr>
+      <p:sp>
+        <p:nvSpPr>
+          <p:cNvPr id="3" name="縦書きテキスト プレースホルダー 2"/>
+          <p:cNvSpPr>
+            <a:spLocks noGrp="1"/>
+          </p:cNvSpPr>
+          <p:nvPr>
+            <p:ph type="body" orient="vert" idx="1"/>
+          </p:nvPr>
+        </p:nvSpPr>
+        <p:spPr>
+          <a:xfrm>
+            <a:off x="838200" y="531628"/>
+            <a:ext cx="10515600" cy="5645335"/>
+          </a:xfrm>
+        </p:spPr>
+        <p:txBody>
+          <a:bodyPr vert="horz"/>
+          <a:lstStyle/>
+          <a:p>
+            <a:pPr marL="0" indent="0">
+              <a:buNone/>
+            </a:pPr>
+            <a:r>
+              <a:rPr kumimoji="1" lang="en-US" altLang="ja-JP" dirty="0" smtClean="0"/>
+              <a:t>brunch</a:t>
+            </a:r>
+          </a:p>
+          <a:p>
+            <a:pPr marL="0" indent="0">
+              <a:buNone/>
+            </a:pPr>
+            <a:endParaRPr lang="en-US" altLang="ja-JP"/>
+          </a:p>
+          <a:p>
+            <a:pPr marL="0" indent="0">
+              <a:buNone/>
+            </a:pPr>
+            <a:endParaRPr kumimoji="1" lang="ja-JP" altLang="en-US" dirty="0"/>
+          </a:p>
+        </p:txBody>
+      </p:sp>
+    </p:spTree>
+    <p:extLst>
+      <p:ext uri="{BB962C8B-B14F-4D97-AF65-F5344CB8AC3E}">
+        <p14:creationId xmlns:p14="http://schemas.microsoft.com/office/powerpoint/2010/main" val="1609194458"/>
+      </p:ext>
+    </p:extLst>
+  </p:cSld>
+  <p:clrMapOvr>
+    <a:masterClrMapping/>
+  </p:clrMapOvr>
+</p:sld>
+</file>
+
 <file path=ppt/slides/slide2.xml><?xml version="1.0" encoding="utf-8"?>
 <p:sld xmlns:a="http://schemas.openxmlformats.org/drawingml/2006/main" xmlns:r="http://schemas.openxmlformats.org/officeDocument/2006/relationships" xmlns:p="http://schemas.openxmlformats.org/presentationml/2006/main">
   <p:cSld>
@@ -3938,15 +4702,45 @@
             <p:ph type="body" orient="vert" idx="1"/>
           </p:nvPr>
         </p:nvSpPr>
-        <p:spPr/>
-        <p:txBody>
-          <a:bodyPr vert="horz"/>
-          <a:lstStyle/>
+        <p:spPr>
+          <a:xfrm>
+            <a:off x="838200" y="1825625"/>
+            <a:ext cx="2213344" cy="4351338"/>
+          </a:xfrm>
+        </p:spPr>
+        <p:txBody>
+          <a:bodyPr vert="horz">
+            <a:normAutofit fontScale="92500" lnSpcReduction="20000"/>
+          </a:bodyPr>
+          <a:lstStyle/>
+          <a:p>
+            <a:r>
+              <a:rPr lang="en-US" altLang="ja-JP" sz="3600" dirty="0" smtClean="0"/>
+              <a:t>clone</a:t>
+            </a:r>
+          </a:p>
+          <a:p>
+            <a:endParaRPr lang="en-US" altLang="ja-JP" sz="3600" dirty="0"/>
+          </a:p>
           <a:p>
             <a:r>
               <a:rPr lang="en-US" altLang="ja-JP" sz="3600" dirty="0" smtClean="0"/>
               <a:t>pull</a:t>
             </a:r>
+            <a:endParaRPr lang="en-US" altLang="ja-JP" sz="3600" dirty="0" smtClean="0"/>
+          </a:p>
+          <a:p>
+            <a:pPr marL="0" indent="0">
+              <a:buNone/>
+            </a:pPr>
+            <a:endParaRPr kumimoji="1" lang="en-US" altLang="ja-JP" sz="3600" dirty="0"/>
+          </a:p>
+          <a:p>
+            <a:r>
+              <a:rPr lang="en-US" altLang="ja-JP" sz="3600" dirty="0" smtClean="0"/>
+              <a:t>commit</a:t>
+            </a:r>
+            <a:endParaRPr lang="en-US" altLang="ja-JP" sz="3600" dirty="0" smtClean="0"/>
           </a:p>
           <a:p>
             <a:endParaRPr kumimoji="1" lang="en-US" altLang="ja-JP" sz="3600" dirty="0"/>
@@ -3956,18 +4750,220 @@
               <a:rPr lang="en-US" altLang="ja-JP" sz="3600" dirty="0" smtClean="0"/>
               <a:t>push</a:t>
             </a:r>
-          </a:p>
-          <a:p>
-            <a:endParaRPr kumimoji="1" lang="en-US" altLang="ja-JP" sz="3600" dirty="0"/>
+            <a:endParaRPr lang="en-US" altLang="ja-JP" sz="3600" dirty="0" smtClean="0"/>
+          </a:p>
+          <a:p>
+            <a:endParaRPr lang="en-US" altLang="ja-JP" sz="3600" dirty="0"/>
           </a:p>
           <a:p>
             <a:r>
               <a:rPr lang="en-US" altLang="ja-JP" sz="3600" dirty="0" smtClean="0"/>
-              <a:t>brunch</a:t>
-            </a:r>
-          </a:p>
-          <a:p>
-            <a:endParaRPr lang="en-US" altLang="ja-JP" sz="3600" dirty="0"/>
+              <a:t>branch</a:t>
+            </a:r>
+            <a:endParaRPr lang="en-US" altLang="ja-JP" sz="3600" dirty="0" smtClean="0"/>
+          </a:p>
+          <a:p>
+            <a:endParaRPr kumimoji="1" lang="en-US" altLang="ja-JP" dirty="0"/>
+          </a:p>
+          <a:p>
+            <a:endParaRPr kumimoji="1" lang="ja-JP" altLang="en-US" dirty="0"/>
+          </a:p>
+        </p:txBody>
+      </p:sp>
+      <p:sp>
+        <p:nvSpPr>
+          <p:cNvPr id="4" name="縦書きテキスト プレースホルダー 2"/>
+          <p:cNvSpPr txBox="1">
+            <a:spLocks/>
+          </p:cNvSpPr>
+          <p:nvPr/>
+        </p:nvSpPr>
+        <p:spPr>
+          <a:xfrm>
+            <a:off x="4595036" y="1825625"/>
+            <a:ext cx="2560675" cy="4351338"/>
+          </a:xfrm>
+          <a:prstGeom prst="rect">
+            <a:avLst/>
+          </a:prstGeom>
+        </p:spPr>
+        <p:txBody>
+          <a:bodyPr vert="horz" lIns="91440" tIns="45720" rIns="91440" bIns="45720" rtlCol="0">
+            <a:normAutofit/>
+          </a:bodyPr>
+          <a:lstStyle>
+            <a:lvl1pPr marL="228600" indent="-228600" algn="l" defTabSz="914400" rtl="0" eaLnBrk="1" latinLnBrk="0" hangingPunct="1">
+              <a:lnSpc>
+                <a:spcPct val="90000"/>
+              </a:lnSpc>
+              <a:spcBef>
+                <a:spcPts val="1000"/>
+              </a:spcBef>
+              <a:buFont typeface="Arial" panose="020B0604020202020204" pitchFamily="34" charset="0"/>
+              <a:buChar char="•"/>
+              <a:defRPr kumimoji="1" sz="2800" kern="1200">
+                <a:solidFill>
+                  <a:schemeClr val="tx1"/>
+                </a:solidFill>
+                <a:latin typeface="+mn-lt"/>
+                <a:ea typeface="+mn-ea"/>
+                <a:cs typeface="+mn-cs"/>
+              </a:defRPr>
+            </a:lvl1pPr>
+            <a:lvl2pPr marL="685800" indent="-228600" algn="l" defTabSz="914400" rtl="0" eaLnBrk="1" latinLnBrk="0" hangingPunct="1">
+              <a:lnSpc>
+                <a:spcPct val="90000"/>
+              </a:lnSpc>
+              <a:spcBef>
+                <a:spcPts val="500"/>
+              </a:spcBef>
+              <a:buFont typeface="Arial" panose="020B0604020202020204" pitchFamily="34" charset="0"/>
+              <a:buChar char="•"/>
+              <a:defRPr kumimoji="1" sz="2400" kern="1200">
+                <a:solidFill>
+                  <a:schemeClr val="tx1"/>
+                </a:solidFill>
+                <a:latin typeface="+mn-lt"/>
+                <a:ea typeface="+mn-ea"/>
+                <a:cs typeface="+mn-cs"/>
+              </a:defRPr>
+            </a:lvl2pPr>
+            <a:lvl3pPr marL="1143000" indent="-228600" algn="l" defTabSz="914400" rtl="0" eaLnBrk="1" latinLnBrk="0" hangingPunct="1">
+              <a:lnSpc>
+                <a:spcPct val="90000"/>
+              </a:lnSpc>
+              <a:spcBef>
+                <a:spcPts val="500"/>
+              </a:spcBef>
+              <a:buFont typeface="Arial" panose="020B0604020202020204" pitchFamily="34" charset="0"/>
+              <a:buChar char="•"/>
+              <a:defRPr kumimoji="1" sz="2000" kern="1200">
+                <a:solidFill>
+                  <a:schemeClr val="tx1"/>
+                </a:solidFill>
+                <a:latin typeface="+mn-lt"/>
+                <a:ea typeface="+mn-ea"/>
+                <a:cs typeface="+mn-cs"/>
+              </a:defRPr>
+            </a:lvl3pPr>
+            <a:lvl4pPr marL="1600200" indent="-228600" algn="l" defTabSz="914400" rtl="0" eaLnBrk="1" latinLnBrk="0" hangingPunct="1">
+              <a:lnSpc>
+                <a:spcPct val="90000"/>
+              </a:lnSpc>
+              <a:spcBef>
+                <a:spcPts val="500"/>
+              </a:spcBef>
+              <a:buFont typeface="Arial" panose="020B0604020202020204" pitchFamily="34" charset="0"/>
+              <a:buChar char="•"/>
+              <a:defRPr kumimoji="1" sz="1800" kern="1200">
+                <a:solidFill>
+                  <a:schemeClr val="tx1"/>
+                </a:solidFill>
+                <a:latin typeface="+mn-lt"/>
+                <a:ea typeface="+mn-ea"/>
+                <a:cs typeface="+mn-cs"/>
+              </a:defRPr>
+            </a:lvl4pPr>
+            <a:lvl5pPr marL="2057400" indent="-228600" algn="l" defTabSz="914400" rtl="0" eaLnBrk="1" latinLnBrk="0" hangingPunct="1">
+              <a:lnSpc>
+                <a:spcPct val="90000"/>
+              </a:lnSpc>
+              <a:spcBef>
+                <a:spcPts val="500"/>
+              </a:spcBef>
+              <a:buFont typeface="Arial" panose="020B0604020202020204" pitchFamily="34" charset="0"/>
+              <a:buChar char="•"/>
+              <a:defRPr kumimoji="1" sz="1800" kern="1200">
+                <a:solidFill>
+                  <a:schemeClr val="tx1"/>
+                </a:solidFill>
+                <a:latin typeface="+mn-lt"/>
+                <a:ea typeface="+mn-ea"/>
+                <a:cs typeface="+mn-cs"/>
+              </a:defRPr>
+            </a:lvl5pPr>
+            <a:lvl6pPr marL="2514600" indent="-228600" algn="l" defTabSz="914400" rtl="0" eaLnBrk="1" latinLnBrk="0" hangingPunct="1">
+              <a:lnSpc>
+                <a:spcPct val="90000"/>
+              </a:lnSpc>
+              <a:spcBef>
+                <a:spcPts val="500"/>
+              </a:spcBef>
+              <a:buFont typeface="Arial" panose="020B0604020202020204" pitchFamily="34" charset="0"/>
+              <a:buChar char="•"/>
+              <a:defRPr kumimoji="1" sz="1800" kern="1200">
+                <a:solidFill>
+                  <a:schemeClr val="tx1"/>
+                </a:solidFill>
+                <a:latin typeface="+mn-lt"/>
+                <a:ea typeface="+mn-ea"/>
+                <a:cs typeface="+mn-cs"/>
+              </a:defRPr>
+            </a:lvl6pPr>
+            <a:lvl7pPr marL="2971800" indent="-228600" algn="l" defTabSz="914400" rtl="0" eaLnBrk="1" latinLnBrk="0" hangingPunct="1">
+              <a:lnSpc>
+                <a:spcPct val="90000"/>
+              </a:lnSpc>
+              <a:spcBef>
+                <a:spcPts val="500"/>
+              </a:spcBef>
+              <a:buFont typeface="Arial" panose="020B0604020202020204" pitchFamily="34" charset="0"/>
+              <a:buChar char="•"/>
+              <a:defRPr kumimoji="1" sz="1800" kern="1200">
+                <a:solidFill>
+                  <a:schemeClr val="tx1"/>
+                </a:solidFill>
+                <a:latin typeface="+mn-lt"/>
+                <a:ea typeface="+mn-ea"/>
+                <a:cs typeface="+mn-cs"/>
+              </a:defRPr>
+            </a:lvl7pPr>
+            <a:lvl8pPr marL="3429000" indent="-228600" algn="l" defTabSz="914400" rtl="0" eaLnBrk="1" latinLnBrk="0" hangingPunct="1">
+              <a:lnSpc>
+                <a:spcPct val="90000"/>
+              </a:lnSpc>
+              <a:spcBef>
+                <a:spcPts val="500"/>
+              </a:spcBef>
+              <a:buFont typeface="Arial" panose="020B0604020202020204" pitchFamily="34" charset="0"/>
+              <a:buChar char="•"/>
+              <a:defRPr kumimoji="1" sz="1800" kern="1200">
+                <a:solidFill>
+                  <a:schemeClr val="tx1"/>
+                </a:solidFill>
+                <a:latin typeface="+mn-lt"/>
+                <a:ea typeface="+mn-ea"/>
+                <a:cs typeface="+mn-cs"/>
+              </a:defRPr>
+            </a:lvl8pPr>
+            <a:lvl9pPr marL="3886200" indent="-228600" algn="l" defTabSz="914400" rtl="0" eaLnBrk="1" latinLnBrk="0" hangingPunct="1">
+              <a:lnSpc>
+                <a:spcPct val="90000"/>
+              </a:lnSpc>
+              <a:spcBef>
+                <a:spcPts val="500"/>
+              </a:spcBef>
+              <a:buFont typeface="Arial" panose="020B0604020202020204" pitchFamily="34" charset="0"/>
+              <a:buChar char="•"/>
+              <a:defRPr kumimoji="1" sz="1800" kern="1200">
+                <a:solidFill>
+                  <a:schemeClr val="tx1"/>
+                </a:solidFill>
+                <a:latin typeface="+mn-lt"/>
+                <a:ea typeface="+mn-ea"/>
+                <a:cs typeface="+mn-cs"/>
+              </a:defRPr>
+            </a:lvl9pPr>
+          </a:lstStyle>
+          <a:p>
+            <a:r>
+              <a:rPr lang="ja-JP" altLang="en-US" sz="3600" dirty="0"/>
+              <a:t>プルリク</a:t>
+            </a:r>
+            <a:endParaRPr lang="en-US" altLang="ja-JP" sz="3600" dirty="0" smtClean="0"/>
+          </a:p>
+          <a:p>
+            <a:endParaRPr lang="en-US" altLang="ja-JP" sz="3600" dirty="0" smtClean="0"/>
           </a:p>
           <a:p>
             <a:r>
@@ -3976,10 +4972,317 @@
             </a:r>
           </a:p>
           <a:p>
-            <a:endParaRPr kumimoji="1" lang="en-US" altLang="ja-JP" dirty="0"/>
-          </a:p>
-          <a:p>
-            <a:endParaRPr kumimoji="1" lang="ja-JP" altLang="en-US" dirty="0"/>
+            <a:pPr marL="0" indent="0">
+              <a:buFont typeface="Arial" panose="020B0604020202020204" pitchFamily="34" charset="0"/>
+              <a:buNone/>
+            </a:pPr>
+            <a:endParaRPr lang="en-US" altLang="ja-JP" sz="3600" dirty="0" smtClean="0"/>
+          </a:p>
+          <a:p>
+            <a:pPr marL="0" indent="0">
+              <a:buNone/>
+            </a:pPr>
+            <a:endParaRPr lang="en-US" altLang="ja-JP" sz="3600" dirty="0" smtClean="0"/>
+          </a:p>
+          <a:p>
+            <a:endParaRPr lang="en-US" altLang="ja-JP" sz="3600" dirty="0" smtClean="0"/>
+          </a:p>
+          <a:p>
+            <a:pPr marL="0" indent="0">
+              <a:buNone/>
+            </a:pPr>
+            <a:endParaRPr lang="en-US" altLang="ja-JP" sz="3600" dirty="0" smtClean="0"/>
+          </a:p>
+          <a:p>
+            <a:endParaRPr lang="en-US" altLang="ja-JP" sz="3600" dirty="0" smtClean="0"/>
+          </a:p>
+          <a:p>
+            <a:pPr marL="0" indent="0">
+              <a:buNone/>
+            </a:pPr>
+            <a:endParaRPr lang="en-US" altLang="ja-JP" sz="3600" dirty="0" smtClean="0"/>
+          </a:p>
+          <a:p>
+            <a:endParaRPr lang="en-US" altLang="ja-JP" dirty="0" smtClean="0"/>
+          </a:p>
+          <a:p>
+            <a:endParaRPr lang="ja-JP" altLang="en-US" dirty="0"/>
+          </a:p>
+        </p:txBody>
+      </p:sp>
+      <p:pic>
+        <p:nvPicPr>
+          <p:cNvPr id="5" name="図 4"/>
+          <p:cNvPicPr>
+            <a:picLocks noChangeAspect="1"/>
+          </p:cNvPicPr>
+          <p:nvPr/>
+        </p:nvPicPr>
+        <p:blipFill>
+          <a:blip r:embed="rId2" cstate="print">
+            <a:extLst>
+              <a:ext uri="{28A0092B-C50C-407E-A947-70E740481C1C}">
+                <a14:useLocalDpi xmlns:a14="http://schemas.microsoft.com/office/drawing/2010/main" val="0"/>
+              </a:ext>
+            </a:extLst>
+          </a:blip>
+          <a:stretch>
+            <a:fillRect/>
+          </a:stretch>
+        </p:blipFill>
+        <p:spPr>
+          <a:xfrm>
+            <a:off x="7761766" y="1690688"/>
+            <a:ext cx="4166191" cy="4166191"/>
+          </a:xfrm>
+          <a:prstGeom prst="rect">
+            <a:avLst/>
+          </a:prstGeom>
+        </p:spPr>
+      </p:pic>
+      <p:sp>
+        <p:nvSpPr>
+          <p:cNvPr id="6" name="縦書きテキスト プレースホルダー 2"/>
+          <p:cNvSpPr txBox="1">
+            <a:spLocks/>
+          </p:cNvSpPr>
+          <p:nvPr/>
+        </p:nvSpPr>
+        <p:spPr>
+          <a:xfrm>
+            <a:off x="6959008" y="6176963"/>
+            <a:ext cx="5077048" cy="818707"/>
+          </a:xfrm>
+          <a:prstGeom prst="rect">
+            <a:avLst/>
+          </a:prstGeom>
+        </p:spPr>
+        <p:txBody>
+          <a:bodyPr vert="horz" lIns="91440" tIns="45720" rIns="91440" bIns="45720" rtlCol="0">
+            <a:normAutofit/>
+          </a:bodyPr>
+          <a:lstStyle>
+            <a:lvl1pPr marL="228600" indent="-228600" algn="l" defTabSz="914400" rtl="0" eaLnBrk="1" latinLnBrk="0" hangingPunct="1">
+              <a:lnSpc>
+                <a:spcPct val="90000"/>
+              </a:lnSpc>
+              <a:spcBef>
+                <a:spcPts val="1000"/>
+              </a:spcBef>
+              <a:buFont typeface="Arial" panose="020B0604020202020204" pitchFamily="34" charset="0"/>
+              <a:buChar char="•"/>
+              <a:defRPr kumimoji="1" sz="2800" kern="1200">
+                <a:solidFill>
+                  <a:schemeClr val="tx1"/>
+                </a:solidFill>
+                <a:latin typeface="+mn-lt"/>
+                <a:ea typeface="+mn-ea"/>
+                <a:cs typeface="+mn-cs"/>
+              </a:defRPr>
+            </a:lvl1pPr>
+            <a:lvl2pPr marL="685800" indent="-228600" algn="l" defTabSz="914400" rtl="0" eaLnBrk="1" latinLnBrk="0" hangingPunct="1">
+              <a:lnSpc>
+                <a:spcPct val="90000"/>
+              </a:lnSpc>
+              <a:spcBef>
+                <a:spcPts val="500"/>
+              </a:spcBef>
+              <a:buFont typeface="Arial" panose="020B0604020202020204" pitchFamily="34" charset="0"/>
+              <a:buChar char="•"/>
+              <a:defRPr kumimoji="1" sz="2400" kern="1200">
+                <a:solidFill>
+                  <a:schemeClr val="tx1"/>
+                </a:solidFill>
+                <a:latin typeface="+mn-lt"/>
+                <a:ea typeface="+mn-ea"/>
+                <a:cs typeface="+mn-cs"/>
+              </a:defRPr>
+            </a:lvl2pPr>
+            <a:lvl3pPr marL="1143000" indent="-228600" algn="l" defTabSz="914400" rtl="0" eaLnBrk="1" latinLnBrk="0" hangingPunct="1">
+              <a:lnSpc>
+                <a:spcPct val="90000"/>
+              </a:lnSpc>
+              <a:spcBef>
+                <a:spcPts val="500"/>
+              </a:spcBef>
+              <a:buFont typeface="Arial" panose="020B0604020202020204" pitchFamily="34" charset="0"/>
+              <a:buChar char="•"/>
+              <a:defRPr kumimoji="1" sz="2000" kern="1200">
+                <a:solidFill>
+                  <a:schemeClr val="tx1"/>
+                </a:solidFill>
+                <a:latin typeface="+mn-lt"/>
+                <a:ea typeface="+mn-ea"/>
+                <a:cs typeface="+mn-cs"/>
+              </a:defRPr>
+            </a:lvl3pPr>
+            <a:lvl4pPr marL="1600200" indent="-228600" algn="l" defTabSz="914400" rtl="0" eaLnBrk="1" latinLnBrk="0" hangingPunct="1">
+              <a:lnSpc>
+                <a:spcPct val="90000"/>
+              </a:lnSpc>
+              <a:spcBef>
+                <a:spcPts val="500"/>
+              </a:spcBef>
+              <a:buFont typeface="Arial" panose="020B0604020202020204" pitchFamily="34" charset="0"/>
+              <a:buChar char="•"/>
+              <a:defRPr kumimoji="1" sz="1800" kern="1200">
+                <a:solidFill>
+                  <a:schemeClr val="tx1"/>
+                </a:solidFill>
+                <a:latin typeface="+mn-lt"/>
+                <a:ea typeface="+mn-ea"/>
+                <a:cs typeface="+mn-cs"/>
+              </a:defRPr>
+            </a:lvl4pPr>
+            <a:lvl5pPr marL="2057400" indent="-228600" algn="l" defTabSz="914400" rtl="0" eaLnBrk="1" latinLnBrk="0" hangingPunct="1">
+              <a:lnSpc>
+                <a:spcPct val="90000"/>
+              </a:lnSpc>
+              <a:spcBef>
+                <a:spcPts val="500"/>
+              </a:spcBef>
+              <a:buFont typeface="Arial" panose="020B0604020202020204" pitchFamily="34" charset="0"/>
+              <a:buChar char="•"/>
+              <a:defRPr kumimoji="1" sz="1800" kern="1200">
+                <a:solidFill>
+                  <a:schemeClr val="tx1"/>
+                </a:solidFill>
+                <a:latin typeface="+mn-lt"/>
+                <a:ea typeface="+mn-ea"/>
+                <a:cs typeface="+mn-cs"/>
+              </a:defRPr>
+            </a:lvl5pPr>
+            <a:lvl6pPr marL="2514600" indent="-228600" algn="l" defTabSz="914400" rtl="0" eaLnBrk="1" latinLnBrk="0" hangingPunct="1">
+              <a:lnSpc>
+                <a:spcPct val="90000"/>
+              </a:lnSpc>
+              <a:spcBef>
+                <a:spcPts val="500"/>
+              </a:spcBef>
+              <a:buFont typeface="Arial" panose="020B0604020202020204" pitchFamily="34" charset="0"/>
+              <a:buChar char="•"/>
+              <a:defRPr kumimoji="1" sz="1800" kern="1200">
+                <a:solidFill>
+                  <a:schemeClr val="tx1"/>
+                </a:solidFill>
+                <a:latin typeface="+mn-lt"/>
+                <a:ea typeface="+mn-ea"/>
+                <a:cs typeface="+mn-cs"/>
+              </a:defRPr>
+            </a:lvl6pPr>
+            <a:lvl7pPr marL="2971800" indent="-228600" algn="l" defTabSz="914400" rtl="0" eaLnBrk="1" latinLnBrk="0" hangingPunct="1">
+              <a:lnSpc>
+                <a:spcPct val="90000"/>
+              </a:lnSpc>
+              <a:spcBef>
+                <a:spcPts val="500"/>
+              </a:spcBef>
+              <a:buFont typeface="Arial" panose="020B0604020202020204" pitchFamily="34" charset="0"/>
+              <a:buChar char="•"/>
+              <a:defRPr kumimoji="1" sz="1800" kern="1200">
+                <a:solidFill>
+                  <a:schemeClr val="tx1"/>
+                </a:solidFill>
+                <a:latin typeface="+mn-lt"/>
+                <a:ea typeface="+mn-ea"/>
+                <a:cs typeface="+mn-cs"/>
+              </a:defRPr>
+            </a:lvl7pPr>
+            <a:lvl8pPr marL="3429000" indent="-228600" algn="l" defTabSz="914400" rtl="0" eaLnBrk="1" latinLnBrk="0" hangingPunct="1">
+              <a:lnSpc>
+                <a:spcPct val="90000"/>
+              </a:lnSpc>
+              <a:spcBef>
+                <a:spcPts val="500"/>
+              </a:spcBef>
+              <a:buFont typeface="Arial" panose="020B0604020202020204" pitchFamily="34" charset="0"/>
+              <a:buChar char="•"/>
+              <a:defRPr kumimoji="1" sz="1800" kern="1200">
+                <a:solidFill>
+                  <a:schemeClr val="tx1"/>
+                </a:solidFill>
+                <a:latin typeface="+mn-lt"/>
+                <a:ea typeface="+mn-ea"/>
+                <a:cs typeface="+mn-cs"/>
+              </a:defRPr>
+            </a:lvl8pPr>
+            <a:lvl9pPr marL="3886200" indent="-228600" algn="l" defTabSz="914400" rtl="0" eaLnBrk="1" latinLnBrk="0" hangingPunct="1">
+              <a:lnSpc>
+                <a:spcPct val="90000"/>
+              </a:lnSpc>
+              <a:spcBef>
+                <a:spcPts val="500"/>
+              </a:spcBef>
+              <a:buFont typeface="Arial" panose="020B0604020202020204" pitchFamily="34" charset="0"/>
+              <a:buChar char="•"/>
+              <a:defRPr kumimoji="1" sz="1800" kern="1200">
+                <a:solidFill>
+                  <a:schemeClr val="tx1"/>
+                </a:solidFill>
+                <a:latin typeface="+mn-lt"/>
+                <a:ea typeface="+mn-ea"/>
+                <a:cs typeface="+mn-cs"/>
+              </a:defRPr>
+            </a:lvl9pPr>
+          </a:lstStyle>
+          <a:p>
+            <a:pPr marL="0" indent="0">
+              <a:buNone/>
+            </a:pPr>
+            <a:r>
+              <a:rPr lang="en-US" altLang="ja-JP" sz="1800" dirty="0" smtClean="0"/>
+              <a:t>※</a:t>
+            </a:r>
+            <a:r>
+              <a:rPr lang="ja-JP" altLang="en-US" sz="1800" dirty="0" smtClean="0"/>
+              <a:t>勉強会ちょっと前に</a:t>
+            </a:r>
+            <a:r>
+              <a:rPr lang="en-US" altLang="ja-JP" sz="1800" dirty="0"/>
+              <a:t>Microsoft</a:t>
+            </a:r>
+            <a:r>
+              <a:rPr lang="ja-JP" altLang="en-US" sz="1800" dirty="0" smtClean="0"/>
+              <a:t>に飲まれました</a:t>
+            </a:r>
+            <a:endParaRPr lang="en-US" altLang="ja-JP" sz="1800" dirty="0" smtClean="0"/>
+          </a:p>
+          <a:p>
+            <a:pPr marL="0" indent="0">
+              <a:buFont typeface="Arial" panose="020B0604020202020204" pitchFamily="34" charset="0"/>
+              <a:buNone/>
+            </a:pPr>
+            <a:endParaRPr lang="en-US" altLang="ja-JP" sz="3600" dirty="0" smtClean="0"/>
+          </a:p>
+          <a:p>
+            <a:pPr marL="0" indent="0">
+              <a:buNone/>
+            </a:pPr>
+            <a:endParaRPr lang="en-US" altLang="ja-JP" sz="3600" dirty="0" smtClean="0"/>
+          </a:p>
+          <a:p>
+            <a:endParaRPr lang="en-US" altLang="ja-JP" sz="3600" dirty="0" smtClean="0"/>
+          </a:p>
+          <a:p>
+            <a:pPr marL="0" indent="0">
+              <a:buNone/>
+            </a:pPr>
+            <a:endParaRPr lang="en-US" altLang="ja-JP" sz="3600" dirty="0" smtClean="0"/>
+          </a:p>
+          <a:p>
+            <a:endParaRPr lang="en-US" altLang="ja-JP" sz="3600" dirty="0" smtClean="0"/>
+          </a:p>
+          <a:p>
+            <a:pPr marL="0" indent="0">
+              <a:buNone/>
+            </a:pPr>
+            <a:endParaRPr lang="en-US" altLang="ja-JP" sz="3600" dirty="0" smtClean="0"/>
+          </a:p>
+          <a:p>
+            <a:endParaRPr lang="en-US" altLang="ja-JP" dirty="0" smtClean="0"/>
+          </a:p>
+          <a:p>
+            <a:endParaRPr lang="ja-JP" altLang="en-US" dirty="0"/>
           </a:p>
         </p:txBody>
       </p:sp>
@@ -4015,6 +5318,38 @@
       </p:grpSpPr>
       <p:sp>
         <p:nvSpPr>
+          <p:cNvPr id="2" name="タイトル 1"/>
+          <p:cNvSpPr>
+            <a:spLocks noGrp="1"/>
+          </p:cNvSpPr>
+          <p:nvPr>
+            <p:ph type="title"/>
+          </p:nvPr>
+        </p:nvSpPr>
+        <p:spPr>
+          <a:xfrm>
+            <a:off x="742507" y="0"/>
+            <a:ext cx="10515600" cy="1325563"/>
+          </a:xfrm>
+        </p:spPr>
+        <p:txBody>
+          <a:bodyPr/>
+          <a:lstStyle/>
+          <a:p>
+            <a:r>
+              <a:rPr kumimoji="1" lang="ja-JP" altLang="en-US" dirty="0" smtClean="0"/>
+              <a:t>まずは</a:t>
+            </a:r>
+            <a:r>
+              <a:rPr kumimoji="1" lang="en-US" altLang="ja-JP" dirty="0" smtClean="0"/>
+              <a:t>clone</a:t>
+            </a:r>
+            <a:endParaRPr kumimoji="1" lang="ja-JP" altLang="en-US" dirty="0"/>
+          </a:p>
+        </p:txBody>
+      </p:sp>
+      <p:sp>
+        <p:nvSpPr>
           <p:cNvPr id="3" name="縦書きテキスト プレースホルダー 2"/>
           <p:cNvSpPr>
             <a:spLocks noGrp="1"/>
@@ -4025,91 +5360,331 @@
         </p:nvSpPr>
         <p:spPr>
           <a:xfrm>
-            <a:off x="838200" y="861237"/>
-            <a:ext cx="10515600" cy="5315726"/>
+            <a:off x="5902842" y="372140"/>
+            <a:ext cx="5985891" cy="5932967"/>
           </a:xfrm>
         </p:spPr>
         <p:txBody>
           <a:bodyPr vert="horz"/>
           <a:lstStyle/>
           <a:p>
-            <a:pPr marL="0" indent="0">
-              <a:buNone/>
-            </a:pPr>
-            <a:r>
-              <a:rPr kumimoji="1" lang="ja-JP" altLang="en-US" dirty="0" smtClean="0"/>
-              <a:t>・</a:t>
-            </a:r>
-            <a:r>
-              <a:rPr kumimoji="1" lang="en-US" altLang="ja-JP" dirty="0" smtClean="0"/>
+            <a:pPr marL="285750" indent="-285750"/>
+            <a:r>
+              <a:rPr lang="ja-JP" altLang="en-US" dirty="0"/>
+              <a:t>リモートはネット上だと思ってもらえれば結構</a:t>
+            </a:r>
+            <a:r>
+              <a:rPr lang="en-US" altLang="ja-JP" dirty="0"/>
+              <a:t>(</a:t>
+            </a:r>
+            <a:r>
+              <a:rPr lang="ja-JP" altLang="en-US" dirty="0"/>
+              <a:t>僕もよくわかってない</a:t>
+            </a:r>
+            <a:r>
+              <a:rPr lang="en-US" altLang="ja-JP" dirty="0"/>
+              <a:t>)</a:t>
+            </a:r>
+          </a:p>
+          <a:p>
+            <a:pPr marL="285750" indent="-285750"/>
+            <a:endParaRPr lang="en-US" altLang="ja-JP" dirty="0"/>
+          </a:p>
+          <a:p>
+            <a:pPr marL="285750" indent="-285750"/>
+            <a:r>
+              <a:rPr lang="ja-JP" altLang="en-US" dirty="0"/>
+              <a:t>ローカルは自身の</a:t>
+            </a:r>
+            <a:r>
+              <a:rPr lang="en-US" altLang="ja-JP" dirty="0" smtClean="0"/>
+              <a:t>PC</a:t>
+            </a:r>
+          </a:p>
+          <a:p>
+            <a:pPr marL="285750" indent="-285750"/>
+            <a:endParaRPr lang="en-US" altLang="ja-JP" dirty="0"/>
+          </a:p>
+          <a:p>
+            <a:pPr marL="285750" indent="-285750"/>
+            <a:r>
+              <a:rPr lang="en-US" altLang="ja-JP" dirty="0" smtClean="0"/>
+              <a:t>clone</a:t>
+            </a:r>
+            <a:r>
+              <a:rPr lang="ja-JP" altLang="en-US" dirty="0" smtClean="0"/>
+              <a:t>はリモートにあるファイルと同じものを自分のローカルに作成する</a:t>
+            </a:r>
+            <a:r>
+              <a:rPr lang="en-US" altLang="ja-JP" dirty="0" smtClean="0"/>
+              <a:t>(</a:t>
+            </a:r>
+            <a:r>
+              <a:rPr lang="ja-JP" altLang="en-US" dirty="0" smtClean="0"/>
+              <a:t>言ってしまえばコピー</a:t>
+            </a:r>
+            <a:r>
+              <a:rPr lang="en-US" altLang="ja-JP" dirty="0" smtClean="0"/>
+              <a:t>)</a:t>
+            </a:r>
+          </a:p>
+          <a:p>
+            <a:pPr marL="285750" indent="-285750"/>
+            <a:endParaRPr lang="en-US" altLang="ja-JP" dirty="0"/>
+          </a:p>
+          <a:p>
+            <a:pPr marL="285750" indent="-285750"/>
+            <a:r>
+              <a:rPr lang="ja-JP" altLang="en-US" dirty="0" smtClean="0"/>
+              <a:t>詳しくは自分で</a:t>
+            </a:r>
+            <a:r>
+              <a:rPr lang="en-US" altLang="ja-JP" dirty="0" err="1" smtClean="0"/>
+              <a:t>ggrks</a:t>
+            </a:r>
+            <a:endParaRPr lang="en-US" altLang="ja-JP" dirty="0"/>
+          </a:p>
+          <a:p>
+            <a:endParaRPr kumimoji="1" lang="ja-JP" altLang="en-US" dirty="0"/>
+          </a:p>
+        </p:txBody>
+      </p:sp>
+      <p:sp>
+        <p:nvSpPr>
+          <p:cNvPr id="4" name="楕円 3"/>
+          <p:cNvSpPr/>
+          <p:nvPr/>
+        </p:nvSpPr>
+        <p:spPr>
+          <a:xfrm>
+            <a:off x="1169581" y="4295507"/>
+            <a:ext cx="4306188" cy="1807535"/>
+          </a:xfrm>
+          <a:prstGeom prst="ellipse">
+            <a:avLst/>
+          </a:prstGeom>
+          <a:ln w="28575">
+            <a:solidFill>
+              <a:schemeClr val="tx1"/>
+            </a:solidFill>
+          </a:ln>
+        </p:spPr>
+        <p:style>
+          <a:lnRef idx="2">
+            <a:schemeClr val="accent6"/>
+          </a:lnRef>
+          <a:fillRef idx="1">
+            <a:schemeClr val="lt1"/>
+          </a:fillRef>
+          <a:effectRef idx="0">
+            <a:schemeClr val="accent6"/>
+          </a:effectRef>
+          <a:fontRef idx="minor">
+            <a:schemeClr val="dk1"/>
+          </a:fontRef>
+        </p:style>
+        <p:txBody>
+          <a:bodyPr rtlCol="0" anchor="ctr"/>
+          <a:lstStyle/>
+          <a:p>
+            <a:pPr algn="ctr"/>
+            <a:r>
+              <a:rPr kumimoji="1" lang="ja-JP" altLang="en-US" sz="4000" dirty="0" smtClean="0"/>
+              <a:t>ローカル</a:t>
+            </a:r>
+            <a:endParaRPr kumimoji="1" lang="ja-JP" altLang="en-US" sz="4000" dirty="0"/>
+          </a:p>
+        </p:txBody>
+      </p:sp>
+      <p:sp>
+        <p:nvSpPr>
+          <p:cNvPr id="5" name="楕円 4"/>
+          <p:cNvSpPr/>
+          <p:nvPr/>
+        </p:nvSpPr>
+        <p:spPr>
+          <a:xfrm>
+            <a:off x="1169581" y="1325563"/>
+            <a:ext cx="4306187" cy="1577163"/>
+          </a:xfrm>
+          <a:prstGeom prst="ellipse">
+            <a:avLst/>
+          </a:prstGeom>
+          <a:ln w="28575">
+            <a:solidFill>
+              <a:schemeClr val="tx1"/>
+            </a:solidFill>
+          </a:ln>
+        </p:spPr>
+        <p:style>
+          <a:lnRef idx="2">
+            <a:schemeClr val="accent6"/>
+          </a:lnRef>
+          <a:fillRef idx="1">
+            <a:schemeClr val="lt1"/>
+          </a:fillRef>
+          <a:effectRef idx="0">
+            <a:schemeClr val="accent6"/>
+          </a:effectRef>
+          <a:fontRef idx="minor">
+            <a:schemeClr val="dk1"/>
+          </a:fontRef>
+        </p:style>
+        <p:txBody>
+          <a:bodyPr rtlCol="0" anchor="ctr"/>
+          <a:lstStyle/>
+          <a:p>
+            <a:pPr algn="ctr"/>
+            <a:r>
+              <a:rPr kumimoji="1" lang="ja-JP" altLang="en-US" sz="4000" dirty="0" smtClean="0"/>
+              <a:t>リモート</a:t>
+            </a:r>
+            <a:endParaRPr kumimoji="1" lang="ja-JP" altLang="en-US" sz="4000" dirty="0"/>
+          </a:p>
+        </p:txBody>
+      </p:sp>
+      <p:cxnSp>
+        <p:nvCxnSpPr>
+          <p:cNvPr id="6" name="直線矢印コネクタ 5"/>
+          <p:cNvCxnSpPr>
+            <a:stCxn id="5" idx="3"/>
+            <a:endCxn id="4" idx="1"/>
+          </p:cNvCxnSpPr>
+          <p:nvPr/>
+        </p:nvCxnSpPr>
+        <p:spPr>
+          <a:xfrm>
+            <a:off x="1800207" y="2671756"/>
+            <a:ext cx="1" cy="1888458"/>
+          </a:xfrm>
+          <a:prstGeom prst="straightConnector1">
+            <a:avLst/>
+          </a:prstGeom>
+          <a:ln w="76200">
+            <a:solidFill>
+              <a:schemeClr val="tx1"/>
+            </a:solidFill>
+            <a:tailEnd type="triangle"/>
+          </a:ln>
+        </p:spPr>
+        <p:style>
+          <a:lnRef idx="1">
+            <a:schemeClr val="accent1"/>
+          </a:lnRef>
+          <a:fillRef idx="0">
+            <a:schemeClr val="accent1"/>
+          </a:fillRef>
+          <a:effectRef idx="0">
+            <a:schemeClr val="accent1"/>
+          </a:effectRef>
+          <a:fontRef idx="minor">
+            <a:schemeClr val="tx1"/>
+          </a:fontRef>
+        </p:style>
+      </p:cxnSp>
+      <p:cxnSp>
+        <p:nvCxnSpPr>
+          <p:cNvPr id="7" name="直線矢印コネクタ 6"/>
+          <p:cNvCxnSpPr>
+            <a:stCxn id="4" idx="7"/>
+            <a:endCxn id="5" idx="5"/>
+          </p:cNvCxnSpPr>
+          <p:nvPr/>
+        </p:nvCxnSpPr>
+        <p:spPr>
+          <a:xfrm flipV="1">
+            <a:off x="4845142" y="2671756"/>
+            <a:ext cx="0" cy="1888458"/>
+          </a:xfrm>
+          <a:prstGeom prst="straightConnector1">
+            <a:avLst/>
+          </a:prstGeom>
+          <a:ln w="76200">
+            <a:solidFill>
+              <a:schemeClr val="tx1"/>
+            </a:solidFill>
+            <a:tailEnd type="triangle"/>
+          </a:ln>
+        </p:spPr>
+        <p:style>
+          <a:lnRef idx="1">
+            <a:schemeClr val="accent1"/>
+          </a:lnRef>
+          <a:fillRef idx="0">
+            <a:schemeClr val="accent1"/>
+          </a:fillRef>
+          <a:effectRef idx="0">
+            <a:schemeClr val="accent1"/>
+          </a:effectRef>
+          <a:fontRef idx="minor">
+            <a:schemeClr val="tx1"/>
+          </a:fontRef>
+        </p:style>
+      </p:cxnSp>
+      <p:sp>
+        <p:nvSpPr>
+          <p:cNvPr id="8" name="テキスト ボックス 7"/>
+          <p:cNvSpPr txBox="1"/>
+          <p:nvPr/>
+        </p:nvSpPr>
+        <p:spPr>
+          <a:xfrm>
+            <a:off x="687094" y="3120580"/>
+            <a:ext cx="946298" cy="584775"/>
+          </a:xfrm>
+          <a:prstGeom prst="rect">
+            <a:avLst/>
+          </a:prstGeom>
+          <a:noFill/>
+        </p:spPr>
+        <p:txBody>
+          <a:bodyPr wrap="square" rtlCol="0">
+            <a:spAutoFit/>
+          </a:bodyPr>
+          <a:lstStyle/>
+          <a:p>
+            <a:r>
+              <a:rPr kumimoji="1" lang="en-US" altLang="ja-JP" sz="3200" dirty="0" smtClean="0"/>
               <a:t>pull</a:t>
             </a:r>
-          </a:p>
-          <a:p>
-            <a:pPr marL="0" indent="0">
-              <a:buNone/>
-            </a:pPr>
-            <a:r>
-              <a:rPr lang="en-US" altLang="ja-JP" dirty="0" smtClean="0"/>
-              <a:t>  </a:t>
-            </a:r>
-            <a:r>
-              <a:rPr lang="ja-JP" altLang="en-US" dirty="0" smtClean="0"/>
-              <a:t>リモートからローカルに持ってくる</a:t>
-            </a:r>
-            <a:endParaRPr lang="en-US" altLang="ja-JP" dirty="0"/>
-          </a:p>
-          <a:p>
-            <a:pPr marL="0" indent="0">
-              <a:buNone/>
-            </a:pPr>
-            <a:endParaRPr lang="en-US" altLang="ja-JP" dirty="0"/>
-          </a:p>
-          <a:p>
-            <a:pPr marL="0" indent="0">
-              <a:buNone/>
-            </a:pPr>
-            <a:endParaRPr kumimoji="1" lang="en-US" altLang="ja-JP" dirty="0" smtClean="0"/>
-          </a:p>
-          <a:p>
-            <a:pPr marL="0" indent="0">
-              <a:buNone/>
-            </a:pPr>
-            <a:endParaRPr lang="en-US" altLang="ja-JP" dirty="0"/>
-          </a:p>
-          <a:p>
-            <a:pPr marL="0" indent="0">
-              <a:buNone/>
-            </a:pPr>
-            <a:r>
-              <a:rPr kumimoji="1" lang="ja-JP" altLang="en-US" dirty="0" smtClean="0"/>
-              <a:t>・</a:t>
-            </a:r>
-            <a:r>
-              <a:rPr kumimoji="1" lang="en-US" altLang="ja-JP" dirty="0" smtClean="0"/>
+            <a:endParaRPr kumimoji="1" lang="ja-JP" altLang="en-US" sz="3200" dirty="0"/>
+          </a:p>
+        </p:txBody>
+      </p:sp>
+      <p:sp>
+        <p:nvSpPr>
+          <p:cNvPr id="9" name="テキスト ボックス 8"/>
+          <p:cNvSpPr txBox="1"/>
+          <p:nvPr/>
+        </p:nvSpPr>
+        <p:spPr>
+          <a:xfrm>
+            <a:off x="3561907" y="3051499"/>
+            <a:ext cx="1116420" cy="584775"/>
+          </a:xfrm>
+          <a:prstGeom prst="rect">
+            <a:avLst/>
+          </a:prstGeom>
+          <a:noFill/>
+        </p:spPr>
+        <p:txBody>
+          <a:bodyPr wrap="square" rtlCol="0">
+            <a:spAutoFit/>
+          </a:bodyPr>
+          <a:lstStyle/>
+          <a:p>
+            <a:r>
+              <a:rPr kumimoji="1" lang="en-US" altLang="ja-JP" sz="3200" dirty="0" smtClean="0"/>
               <a:t>push</a:t>
             </a:r>
-          </a:p>
-          <a:p>
-            <a:pPr marL="0" indent="0">
-              <a:buNone/>
-            </a:pPr>
-            <a:r>
-              <a:rPr lang="ja-JP" altLang="en-US" dirty="0"/>
-              <a:t>　</a:t>
-            </a:r>
-            <a:r>
-              <a:rPr lang="ja-JP" altLang="en-US" dirty="0" smtClean="0"/>
-              <a:t>ローカルからリモートにアップ</a:t>
-            </a:r>
-            <a:endParaRPr kumimoji="1" lang="ja-JP" altLang="en-US" dirty="0"/>
+            <a:endParaRPr kumimoji="1" lang="ja-JP" altLang="en-US" sz="3200" dirty="0"/>
           </a:p>
         </p:txBody>
       </p:sp>
     </p:spTree>
     <p:extLst>
       <p:ext uri="{BB962C8B-B14F-4D97-AF65-F5344CB8AC3E}">
-        <p14:creationId xmlns:p14="http://schemas.microsoft.com/office/powerpoint/2010/main" val="466036895"/>
+        <p14:creationId xmlns:p14="http://schemas.microsoft.com/office/powerpoint/2010/main" val="1518378263"/>
       </p:ext>
     </p:extLst>
   </p:cSld>
@@ -4138,50 +5713,1489 @@
       </p:grpSpPr>
       <p:sp>
         <p:nvSpPr>
-          <p:cNvPr id="3" name="縦書きテキスト プレースホルダー 2"/>
-          <p:cNvSpPr>
-            <a:spLocks noGrp="1"/>
-          </p:cNvSpPr>
-          <p:nvPr>
-            <p:ph type="body" orient="vert" idx="1"/>
-          </p:nvPr>
-        </p:nvSpPr>
-        <p:spPr>
-          <a:xfrm>
-            <a:off x="838200" y="531628"/>
-            <a:ext cx="10515600" cy="5645335"/>
-          </a:xfrm>
-        </p:spPr>
-        <p:txBody>
-          <a:bodyPr vert="horz"/>
-          <a:lstStyle/>
-          <a:p>
-            <a:pPr marL="0" indent="0">
-              <a:buNone/>
-            </a:pPr>
+          <p:cNvPr id="2" name="タイトル 1"/>
+          <p:cNvSpPr>
+            <a:spLocks noGrp="1"/>
+          </p:cNvSpPr>
+          <p:nvPr>
+            <p:ph type="title"/>
+          </p:nvPr>
+        </p:nvSpPr>
+        <p:spPr>
+          <a:xfrm>
+            <a:off x="838200" y="365126"/>
+            <a:ext cx="10515600" cy="985210"/>
+          </a:xfrm>
+        </p:spPr>
+        <p:txBody>
+          <a:bodyPr>
+            <a:normAutofit/>
+          </a:bodyPr>
+          <a:lstStyle/>
+          <a:p>
             <a:r>
               <a:rPr kumimoji="1" lang="en-US" altLang="ja-JP" dirty="0" smtClean="0"/>
-              <a:t>brunch</a:t>
-            </a:r>
-          </a:p>
-          <a:p>
-            <a:pPr marL="0" indent="0">
-              <a:buNone/>
-            </a:pPr>
-            <a:endParaRPr lang="en-US" altLang="ja-JP"/>
-          </a:p>
-          <a:p>
-            <a:pPr marL="0" indent="0">
-              <a:buNone/>
-            </a:pPr>
+              <a:t>clone</a:t>
+            </a:r>
+            <a:r>
+              <a:rPr kumimoji="1" lang="ja-JP" altLang="en-US" dirty="0" smtClean="0"/>
+              <a:t>したい</a:t>
+            </a:r>
+            <a:r>
+              <a:rPr lang="ja-JP" altLang="en-US" dirty="0"/>
+              <a:t>リポジトリ</a:t>
+            </a:r>
+            <a:r>
+              <a:rPr kumimoji="1" lang="en-US" altLang="ja-JP" dirty="0" smtClean="0"/>
+              <a:t>URL</a:t>
+            </a:r>
+            <a:r>
+              <a:rPr kumimoji="1" lang="ja-JP" altLang="en-US" dirty="0" smtClean="0"/>
+              <a:t>を持ってくる</a:t>
+            </a:r>
             <a:endParaRPr kumimoji="1" lang="ja-JP" altLang="en-US" dirty="0"/>
+          </a:p>
+        </p:txBody>
+      </p:sp>
+      <p:pic>
+        <p:nvPicPr>
+          <p:cNvPr id="4" name="図 3"/>
+          <p:cNvPicPr>
+            <a:picLocks noChangeAspect="1"/>
+          </p:cNvPicPr>
+          <p:nvPr/>
+        </p:nvPicPr>
+        <p:blipFill>
+          <a:blip r:embed="rId2">
+            <a:extLst>
+              <a:ext uri="{28A0092B-C50C-407E-A947-70E740481C1C}">
+                <a14:useLocalDpi xmlns:a14="http://schemas.microsoft.com/office/drawing/2010/main" val="0"/>
+              </a:ext>
+            </a:extLst>
+          </a:blip>
+          <a:stretch>
+            <a:fillRect/>
+          </a:stretch>
+        </p:blipFill>
+        <p:spPr>
+          <a:xfrm>
+            <a:off x="175216" y="1206796"/>
+            <a:ext cx="10058400" cy="5374432"/>
+          </a:xfrm>
+          <a:prstGeom prst="rect">
+            <a:avLst/>
+          </a:prstGeom>
+        </p:spPr>
+      </p:pic>
+      <p:sp>
+        <p:nvSpPr>
+          <p:cNvPr id="5" name="角丸四角形 4"/>
+          <p:cNvSpPr/>
+          <p:nvPr/>
+        </p:nvSpPr>
+        <p:spPr>
+          <a:xfrm>
+            <a:off x="175216" y="4742122"/>
+            <a:ext cx="3344161" cy="1690576"/>
+          </a:xfrm>
+          <a:prstGeom prst="roundRect">
+            <a:avLst/>
+          </a:prstGeom>
+          <a:ln w="57150">
+            <a:solidFill>
+              <a:srgbClr val="FF0000"/>
+            </a:solidFill>
+          </a:ln>
+        </p:spPr>
+        <p:style>
+          <a:lnRef idx="2">
+            <a:schemeClr val="accent6"/>
+          </a:lnRef>
+          <a:fillRef idx="1">
+            <a:schemeClr val="lt1"/>
+          </a:fillRef>
+          <a:effectRef idx="0">
+            <a:schemeClr val="accent6"/>
+          </a:effectRef>
+          <a:fontRef idx="minor">
+            <a:schemeClr val="dk1"/>
+          </a:fontRef>
+        </p:style>
+        <p:txBody>
+          <a:bodyPr rtlCol="0" anchor="ctr"/>
+          <a:lstStyle/>
+          <a:p>
+            <a:pPr algn="ctr"/>
+            <a:r>
+              <a:rPr lang="en-US" altLang="ja-JP" sz="2800" dirty="0" smtClean="0"/>
+              <a:t>GitHub</a:t>
+            </a:r>
+            <a:r>
+              <a:rPr lang="ja-JP" altLang="en-US" sz="2800" dirty="0" smtClean="0"/>
+              <a:t>で</a:t>
+            </a:r>
+            <a:r>
+              <a:rPr lang="en-US" altLang="ja-JP" sz="2800" dirty="0" smtClean="0"/>
+              <a:t>clone</a:t>
+            </a:r>
+            <a:r>
+              <a:rPr lang="ja-JP" altLang="en-US" sz="2800" dirty="0" smtClean="0"/>
+              <a:t>したいリポジトリをクリックし入る</a:t>
+            </a:r>
+            <a:endParaRPr kumimoji="1" lang="ja-JP" altLang="en-US" sz="2800" dirty="0"/>
+          </a:p>
+        </p:txBody>
+      </p:sp>
+      <p:sp>
+        <p:nvSpPr>
+          <p:cNvPr id="6" name="角丸四角形 5"/>
+          <p:cNvSpPr/>
+          <p:nvPr/>
+        </p:nvSpPr>
+        <p:spPr>
+          <a:xfrm>
+            <a:off x="8387096" y="1959935"/>
+            <a:ext cx="3344161" cy="1690576"/>
+          </a:xfrm>
+          <a:prstGeom prst="roundRect">
+            <a:avLst/>
+          </a:prstGeom>
+          <a:ln w="57150">
+            <a:solidFill>
+              <a:srgbClr val="FF0000"/>
+            </a:solidFill>
+          </a:ln>
+        </p:spPr>
+        <p:style>
+          <a:lnRef idx="2">
+            <a:schemeClr val="accent6"/>
+          </a:lnRef>
+          <a:fillRef idx="1">
+            <a:schemeClr val="lt1"/>
+          </a:fillRef>
+          <a:effectRef idx="0">
+            <a:schemeClr val="accent6"/>
+          </a:effectRef>
+          <a:fontRef idx="minor">
+            <a:schemeClr val="dk1"/>
+          </a:fontRef>
+        </p:style>
+        <p:txBody>
+          <a:bodyPr rtlCol="0" anchor="ctr"/>
+          <a:lstStyle/>
+          <a:p>
+            <a:pPr algn="ctr"/>
+            <a:r>
+              <a:rPr lang="ja-JP" altLang="en-US" sz="2800" dirty="0" smtClean="0"/>
+              <a:t>この下の緑のボタンを押し、</a:t>
+            </a:r>
+            <a:r>
+              <a:rPr lang="en-US" altLang="ja-JP" sz="2800" dirty="0" smtClean="0"/>
+              <a:t>URL</a:t>
+            </a:r>
+            <a:r>
+              <a:rPr lang="ja-JP" altLang="en-US" sz="2800" dirty="0" smtClean="0"/>
+              <a:t>をコピー</a:t>
+            </a:r>
+            <a:endParaRPr kumimoji="1" lang="ja-JP" altLang="en-US" sz="2800" dirty="0"/>
           </a:p>
         </p:txBody>
       </p:sp>
     </p:spTree>
     <p:extLst>
       <p:ext uri="{BB962C8B-B14F-4D97-AF65-F5344CB8AC3E}">
-        <p14:creationId xmlns:p14="http://schemas.microsoft.com/office/powerpoint/2010/main" val="1609194458"/>
+        <p14:creationId xmlns:p14="http://schemas.microsoft.com/office/powerpoint/2010/main" val="3398828969"/>
+      </p:ext>
+    </p:extLst>
+  </p:cSld>
+  <p:clrMapOvr>
+    <a:masterClrMapping/>
+  </p:clrMapOvr>
+</p:sld>
+</file>
+
+<file path=ppt/slides/slide5.xml><?xml version="1.0" encoding="utf-8"?>
+<p:sld xmlns:a="http://schemas.openxmlformats.org/drawingml/2006/main" xmlns:r="http://schemas.openxmlformats.org/officeDocument/2006/relationships" xmlns:p="http://schemas.openxmlformats.org/presentationml/2006/main">
+  <p:cSld>
+    <p:spTree>
+      <p:nvGrpSpPr>
+        <p:cNvPr id="1" name=""/>
+        <p:cNvGrpSpPr/>
+        <p:nvPr/>
+      </p:nvGrpSpPr>
+      <p:grpSpPr>
+        <a:xfrm>
+          <a:off x="0" y="0"/>
+          <a:ext cx="0" cy="0"/>
+          <a:chOff x="0" y="0"/>
+          <a:chExt cx="0" cy="0"/>
+        </a:xfrm>
+      </p:grpSpPr>
+      <p:sp>
+        <p:nvSpPr>
+          <p:cNvPr id="2" name="タイトル 1"/>
+          <p:cNvSpPr>
+            <a:spLocks noGrp="1"/>
+          </p:cNvSpPr>
+          <p:nvPr>
+            <p:ph type="title"/>
+          </p:nvPr>
+        </p:nvSpPr>
+        <p:spPr>
+          <a:xfrm>
+            <a:off x="604283" y="237535"/>
+            <a:ext cx="10515600" cy="719396"/>
+          </a:xfrm>
+        </p:spPr>
+        <p:txBody>
+          <a:bodyPr/>
+          <a:lstStyle/>
+          <a:p>
+            <a:r>
+              <a:rPr lang="en-US" altLang="ja-JP" dirty="0" smtClean="0"/>
+              <a:t>clone</a:t>
+            </a:r>
+            <a:r>
+              <a:rPr lang="ja-JP" altLang="en-US" dirty="0" smtClean="0"/>
+              <a:t>してみよう</a:t>
+            </a:r>
+            <a:r>
+              <a:rPr lang="en-US" altLang="ja-JP" dirty="0" smtClean="0"/>
+              <a:t>(URL</a:t>
+            </a:r>
+            <a:r>
+              <a:rPr lang="ja-JP" altLang="en-US" dirty="0" smtClean="0"/>
+              <a:t>編</a:t>
+            </a:r>
+            <a:r>
+              <a:rPr lang="en-US" altLang="ja-JP" dirty="0" smtClean="0"/>
+              <a:t>)</a:t>
+            </a:r>
+            <a:endParaRPr kumimoji="1" lang="ja-JP" altLang="en-US" dirty="0"/>
+          </a:p>
+        </p:txBody>
+      </p:sp>
+      <p:pic>
+        <p:nvPicPr>
+          <p:cNvPr id="3" name="図 2"/>
+          <p:cNvPicPr>
+            <a:picLocks noChangeAspect="1"/>
+          </p:cNvPicPr>
+          <p:nvPr/>
+        </p:nvPicPr>
+        <p:blipFill>
+          <a:blip r:embed="rId2">
+            <a:extLst>
+              <a:ext uri="{28A0092B-C50C-407E-A947-70E740481C1C}">
+                <a14:useLocalDpi xmlns:a14="http://schemas.microsoft.com/office/drawing/2010/main" val="0"/>
+              </a:ext>
+            </a:extLst>
+          </a:blip>
+          <a:stretch>
+            <a:fillRect/>
+          </a:stretch>
+        </p:blipFill>
+        <p:spPr>
+          <a:xfrm>
+            <a:off x="312183" y="956931"/>
+            <a:ext cx="7450244" cy="5567547"/>
+          </a:xfrm>
+          <a:prstGeom prst="rect">
+            <a:avLst/>
+          </a:prstGeom>
+        </p:spPr>
+      </p:pic>
+      <p:sp>
+        <p:nvSpPr>
+          <p:cNvPr id="4" name="楕円 3"/>
+          <p:cNvSpPr/>
+          <p:nvPr/>
+        </p:nvSpPr>
+        <p:spPr>
+          <a:xfrm>
+            <a:off x="274673" y="988829"/>
+            <a:ext cx="659219" cy="606056"/>
+          </a:xfrm>
+          <a:prstGeom prst="ellipse">
+            <a:avLst/>
+          </a:prstGeom>
+          <a:noFill/>
+          <a:ln w="57150">
+            <a:solidFill>
+              <a:srgbClr val="FF0000"/>
+            </a:solidFill>
+          </a:ln>
+        </p:spPr>
+        <p:style>
+          <a:lnRef idx="0">
+            <a:scrgbClr r="0" g="0" b="0"/>
+          </a:lnRef>
+          <a:fillRef idx="0">
+            <a:scrgbClr r="0" g="0" b="0"/>
+          </a:fillRef>
+          <a:effectRef idx="0">
+            <a:scrgbClr r="0" g="0" b="0"/>
+          </a:effectRef>
+          <a:fontRef idx="minor">
+            <a:schemeClr val="dk1"/>
+          </a:fontRef>
+        </p:style>
+        <p:txBody>
+          <a:bodyPr rtlCol="0" anchor="ctr"/>
+          <a:lstStyle/>
+          <a:p>
+            <a:pPr algn="ctr"/>
+            <a:endParaRPr kumimoji="1" lang="ja-JP" altLang="en-US"/>
+          </a:p>
+        </p:txBody>
+      </p:sp>
+      <p:cxnSp>
+        <p:nvCxnSpPr>
+          <p:cNvPr id="6" name="直線矢印コネクタ 5"/>
+          <p:cNvCxnSpPr>
+            <a:endCxn id="4" idx="6"/>
+          </p:cNvCxnSpPr>
+          <p:nvPr/>
+        </p:nvCxnSpPr>
+        <p:spPr>
+          <a:xfrm flipH="1" flipV="1">
+            <a:off x="933892" y="1291857"/>
+            <a:ext cx="7444564" cy="1313120"/>
+          </a:xfrm>
+          <a:prstGeom prst="straightConnector1">
+            <a:avLst/>
+          </a:prstGeom>
+          <a:ln w="76200">
+            <a:solidFill>
+              <a:srgbClr val="FF0000"/>
+            </a:solidFill>
+            <a:tailEnd type="triangle"/>
+          </a:ln>
+        </p:spPr>
+        <p:style>
+          <a:lnRef idx="1">
+            <a:schemeClr val="accent1"/>
+          </a:lnRef>
+          <a:fillRef idx="0">
+            <a:schemeClr val="accent1"/>
+          </a:fillRef>
+          <a:effectRef idx="0">
+            <a:schemeClr val="accent1"/>
+          </a:effectRef>
+          <a:fontRef idx="minor">
+            <a:schemeClr val="tx1"/>
+          </a:fontRef>
+        </p:style>
+      </p:cxnSp>
+      <p:sp>
+        <p:nvSpPr>
+          <p:cNvPr id="12" name="角丸四角形 11"/>
+          <p:cNvSpPr/>
+          <p:nvPr/>
+        </p:nvSpPr>
+        <p:spPr>
+          <a:xfrm>
+            <a:off x="8378456" y="1594885"/>
+            <a:ext cx="3551274" cy="2934585"/>
+          </a:xfrm>
+          <a:prstGeom prst="roundRect">
+            <a:avLst/>
+          </a:prstGeom>
+          <a:ln w="57150">
+            <a:solidFill>
+              <a:srgbClr val="FF0000"/>
+            </a:solidFill>
+          </a:ln>
+        </p:spPr>
+        <p:style>
+          <a:lnRef idx="2">
+            <a:schemeClr val="accent6"/>
+          </a:lnRef>
+          <a:fillRef idx="1">
+            <a:schemeClr val="lt1"/>
+          </a:fillRef>
+          <a:effectRef idx="0">
+            <a:schemeClr val="accent6"/>
+          </a:effectRef>
+          <a:fontRef idx="minor">
+            <a:schemeClr val="dk1"/>
+          </a:fontRef>
+        </p:style>
+        <p:txBody>
+          <a:bodyPr rtlCol="0" anchor="ctr"/>
+          <a:lstStyle/>
+          <a:p>
+            <a:r>
+              <a:rPr lang="ja-JP" altLang="en-US" sz="3200" dirty="0"/>
+              <a:t>まずは画面左上のフォルダマークをクリック</a:t>
+            </a:r>
+            <a:endParaRPr lang="ja-JP" altLang="en-US" sz="3200" dirty="0"/>
+          </a:p>
+        </p:txBody>
+      </p:sp>
+    </p:spTree>
+    <p:extLst>
+      <p:ext uri="{BB962C8B-B14F-4D97-AF65-F5344CB8AC3E}">
+        <p14:creationId xmlns:p14="http://schemas.microsoft.com/office/powerpoint/2010/main" val="2270510984"/>
+      </p:ext>
+    </p:extLst>
+  </p:cSld>
+  <p:clrMapOvr>
+    <a:masterClrMapping/>
+  </p:clrMapOvr>
+</p:sld>
+</file>
+
+<file path=ppt/slides/slide6.xml><?xml version="1.0" encoding="utf-8"?>
+<p:sld xmlns:a="http://schemas.openxmlformats.org/drawingml/2006/main" xmlns:r="http://schemas.openxmlformats.org/officeDocument/2006/relationships" xmlns:p="http://schemas.openxmlformats.org/presentationml/2006/main">
+  <p:cSld>
+    <p:spTree>
+      <p:nvGrpSpPr>
+        <p:cNvPr id="1" name=""/>
+        <p:cNvGrpSpPr/>
+        <p:nvPr/>
+      </p:nvGrpSpPr>
+      <p:grpSpPr>
+        <a:xfrm>
+          <a:off x="0" y="0"/>
+          <a:ext cx="0" cy="0"/>
+          <a:chOff x="0" y="0"/>
+          <a:chExt cx="0" cy="0"/>
+        </a:xfrm>
+      </p:grpSpPr>
+      <p:sp>
+        <p:nvSpPr>
+          <p:cNvPr id="2" name="タイトル 1"/>
+          <p:cNvSpPr>
+            <a:spLocks noGrp="1"/>
+          </p:cNvSpPr>
+          <p:nvPr>
+            <p:ph type="title"/>
+          </p:nvPr>
+        </p:nvSpPr>
+        <p:spPr>
+          <a:xfrm>
+            <a:off x="636182" y="173740"/>
+            <a:ext cx="10515600" cy="1017108"/>
+          </a:xfrm>
+        </p:spPr>
+        <p:txBody>
+          <a:bodyPr/>
+          <a:lstStyle/>
+          <a:p>
+            <a:r>
+              <a:rPr kumimoji="1" lang="en-US" altLang="ja-JP" dirty="0" smtClean="0"/>
+              <a:t>clone</a:t>
+            </a:r>
+            <a:r>
+              <a:rPr kumimoji="1" lang="ja-JP" altLang="en-US" dirty="0" smtClean="0"/>
+              <a:t>してみよう</a:t>
+            </a:r>
+            <a:r>
+              <a:rPr kumimoji="1" lang="en-US" altLang="ja-JP" dirty="0" smtClean="0"/>
+              <a:t>(URL</a:t>
+            </a:r>
+            <a:r>
+              <a:rPr kumimoji="1" lang="ja-JP" altLang="en-US" dirty="0" smtClean="0"/>
+              <a:t>編</a:t>
+            </a:r>
+            <a:r>
+              <a:rPr kumimoji="1" lang="en-US" altLang="ja-JP" dirty="0" smtClean="0"/>
+              <a:t>)</a:t>
+            </a:r>
+            <a:endParaRPr kumimoji="1" lang="ja-JP" altLang="en-US" dirty="0"/>
+          </a:p>
+        </p:txBody>
+      </p:sp>
+      <p:pic>
+        <p:nvPicPr>
+          <p:cNvPr id="4" name="図 3"/>
+          <p:cNvPicPr>
+            <a:picLocks noChangeAspect="1"/>
+          </p:cNvPicPr>
+          <p:nvPr/>
+        </p:nvPicPr>
+        <p:blipFill>
+          <a:blip r:embed="rId2">
+            <a:extLst>
+              <a:ext uri="{28A0092B-C50C-407E-A947-70E740481C1C}">
+                <a14:useLocalDpi xmlns:a14="http://schemas.microsoft.com/office/drawing/2010/main" val="0"/>
+              </a:ext>
+            </a:extLst>
+          </a:blip>
+          <a:stretch>
+            <a:fillRect/>
+          </a:stretch>
+        </p:blipFill>
+        <p:spPr>
+          <a:xfrm>
+            <a:off x="255626" y="1190848"/>
+            <a:ext cx="8112198" cy="4807091"/>
+          </a:xfrm>
+          <a:prstGeom prst="rect">
+            <a:avLst/>
+          </a:prstGeom>
+        </p:spPr>
+      </p:pic>
+      <p:sp>
+        <p:nvSpPr>
+          <p:cNvPr id="5" name="角丸四角形 4"/>
+          <p:cNvSpPr/>
+          <p:nvPr/>
+        </p:nvSpPr>
+        <p:spPr>
+          <a:xfrm>
+            <a:off x="2583121" y="4661483"/>
+            <a:ext cx="3444949" cy="1998921"/>
+          </a:xfrm>
+          <a:prstGeom prst="roundRect">
+            <a:avLst/>
+          </a:prstGeom>
+          <a:ln w="57150">
+            <a:solidFill>
+              <a:srgbClr val="FF0000"/>
+            </a:solidFill>
+          </a:ln>
+        </p:spPr>
+        <p:style>
+          <a:lnRef idx="2">
+            <a:schemeClr val="accent6"/>
+          </a:lnRef>
+          <a:fillRef idx="1">
+            <a:schemeClr val="lt1"/>
+          </a:fillRef>
+          <a:effectRef idx="0">
+            <a:schemeClr val="accent6"/>
+          </a:effectRef>
+          <a:fontRef idx="minor">
+            <a:schemeClr val="dk1"/>
+          </a:fontRef>
+        </p:style>
+        <p:txBody>
+          <a:bodyPr rtlCol="0" anchor="ctr"/>
+          <a:lstStyle/>
+          <a:p>
+            <a:pPr algn="ctr"/>
+            <a:r>
+              <a:rPr kumimoji="1" lang="ja-JP" altLang="en-US" sz="3200" dirty="0" smtClean="0"/>
+              <a:t>さっきコピーしてきた</a:t>
+            </a:r>
+            <a:r>
+              <a:rPr kumimoji="1" lang="en-US" altLang="ja-JP" sz="3200" dirty="0" smtClean="0"/>
+              <a:t>URL</a:t>
+            </a:r>
+            <a:r>
+              <a:rPr kumimoji="1" lang="ja-JP" altLang="en-US" sz="3200" dirty="0" smtClean="0"/>
+              <a:t>をここに貼ってネ</a:t>
+            </a:r>
+            <a:endParaRPr kumimoji="1" lang="ja-JP" altLang="en-US" sz="3200" dirty="0"/>
+          </a:p>
+        </p:txBody>
+      </p:sp>
+      <p:sp>
+        <p:nvSpPr>
+          <p:cNvPr id="6" name="楕円 5"/>
+          <p:cNvSpPr/>
+          <p:nvPr/>
+        </p:nvSpPr>
+        <p:spPr>
+          <a:xfrm>
+            <a:off x="5220586" y="2280684"/>
+            <a:ext cx="2732568" cy="393404"/>
+          </a:xfrm>
+          <a:prstGeom prst="ellipse">
+            <a:avLst/>
+          </a:prstGeom>
+          <a:noFill/>
+          <a:ln>
+            <a:solidFill>
+              <a:srgbClr val="FF0000"/>
+            </a:solidFill>
+          </a:ln>
+        </p:spPr>
+        <p:style>
+          <a:lnRef idx="0">
+            <a:scrgbClr r="0" g="0" b="0"/>
+          </a:lnRef>
+          <a:fillRef idx="0">
+            <a:scrgbClr r="0" g="0" b="0"/>
+          </a:fillRef>
+          <a:effectRef idx="0">
+            <a:scrgbClr r="0" g="0" b="0"/>
+          </a:effectRef>
+          <a:fontRef idx="minor">
+            <a:schemeClr val="dk1"/>
+          </a:fontRef>
+        </p:style>
+        <p:txBody>
+          <a:bodyPr rtlCol="0" anchor="ctr"/>
+          <a:lstStyle/>
+          <a:p>
+            <a:pPr algn="ctr"/>
+            <a:endParaRPr kumimoji="1" lang="ja-JP" altLang="en-US"/>
+          </a:p>
+        </p:txBody>
+      </p:sp>
+      <p:cxnSp>
+        <p:nvCxnSpPr>
+          <p:cNvPr id="8" name="直線矢印コネクタ 7"/>
+          <p:cNvCxnSpPr>
+            <a:stCxn id="5" idx="0"/>
+            <a:endCxn id="6" idx="4"/>
+          </p:cNvCxnSpPr>
+          <p:nvPr/>
+        </p:nvCxnSpPr>
+        <p:spPr>
+          <a:xfrm flipV="1">
+            <a:off x="4305596" y="2674088"/>
+            <a:ext cx="2281274" cy="1987395"/>
+          </a:xfrm>
+          <a:prstGeom prst="straightConnector1">
+            <a:avLst/>
+          </a:prstGeom>
+          <a:ln w="57150">
+            <a:solidFill>
+              <a:srgbClr val="FF0000"/>
+            </a:solidFill>
+            <a:tailEnd type="triangle"/>
+          </a:ln>
+        </p:spPr>
+        <p:style>
+          <a:lnRef idx="1">
+            <a:schemeClr val="accent1"/>
+          </a:lnRef>
+          <a:fillRef idx="0">
+            <a:schemeClr val="accent1"/>
+          </a:fillRef>
+          <a:effectRef idx="0">
+            <a:schemeClr val="accent1"/>
+          </a:effectRef>
+          <a:fontRef idx="minor">
+            <a:schemeClr val="tx1"/>
+          </a:fontRef>
+        </p:style>
+      </p:cxnSp>
+      <p:sp>
+        <p:nvSpPr>
+          <p:cNvPr id="11" name="角丸四角形 10"/>
+          <p:cNvSpPr/>
+          <p:nvPr/>
+        </p:nvSpPr>
+        <p:spPr>
+          <a:xfrm>
+            <a:off x="8615326" y="173740"/>
+            <a:ext cx="3444949" cy="2250483"/>
+          </a:xfrm>
+          <a:prstGeom prst="roundRect">
+            <a:avLst/>
+          </a:prstGeom>
+          <a:ln w="57150">
+            <a:solidFill>
+              <a:srgbClr val="0070C0"/>
+            </a:solidFill>
+          </a:ln>
+        </p:spPr>
+        <p:style>
+          <a:lnRef idx="2">
+            <a:schemeClr val="accent6"/>
+          </a:lnRef>
+          <a:fillRef idx="1">
+            <a:schemeClr val="lt1"/>
+          </a:fillRef>
+          <a:effectRef idx="0">
+            <a:schemeClr val="accent6"/>
+          </a:effectRef>
+          <a:fontRef idx="minor">
+            <a:schemeClr val="dk1"/>
+          </a:fontRef>
+        </p:style>
+        <p:txBody>
+          <a:bodyPr rtlCol="0" anchor="ctr"/>
+          <a:lstStyle/>
+          <a:p>
+            <a:pPr algn="ctr"/>
+            <a:r>
+              <a:rPr lang="en-US" altLang="ja-JP" sz="3200" dirty="0" smtClean="0"/>
+              <a:t>clone</a:t>
+            </a:r>
+            <a:r>
+              <a:rPr lang="ja-JP" altLang="en-US" sz="3200" dirty="0" smtClean="0"/>
+              <a:t>したいリポジトリをどのファイルに作るかを選びます</a:t>
+            </a:r>
+            <a:endParaRPr kumimoji="1" lang="ja-JP" altLang="en-US" sz="3200" dirty="0"/>
+          </a:p>
+        </p:txBody>
+      </p:sp>
+      <p:cxnSp>
+        <p:nvCxnSpPr>
+          <p:cNvPr id="12" name="直線矢印コネクタ 11"/>
+          <p:cNvCxnSpPr>
+            <a:stCxn id="11" idx="1"/>
+          </p:cNvCxnSpPr>
+          <p:nvPr/>
+        </p:nvCxnSpPr>
+        <p:spPr>
+          <a:xfrm flipH="1">
+            <a:off x="6551356" y="1298982"/>
+            <a:ext cx="2063970" cy="699939"/>
+          </a:xfrm>
+          <a:prstGeom prst="straightConnector1">
+            <a:avLst/>
+          </a:prstGeom>
+          <a:ln w="57150">
+            <a:solidFill>
+              <a:srgbClr val="0070C0"/>
+            </a:solidFill>
+            <a:tailEnd type="triangle"/>
+          </a:ln>
+        </p:spPr>
+        <p:style>
+          <a:lnRef idx="1">
+            <a:schemeClr val="accent1"/>
+          </a:lnRef>
+          <a:fillRef idx="0">
+            <a:schemeClr val="accent1"/>
+          </a:fillRef>
+          <a:effectRef idx="0">
+            <a:schemeClr val="accent1"/>
+          </a:effectRef>
+          <a:fontRef idx="minor">
+            <a:schemeClr val="tx1"/>
+          </a:fontRef>
+        </p:style>
+      </p:cxnSp>
+      <p:sp>
+        <p:nvSpPr>
+          <p:cNvPr id="16" name="角丸四角形 15"/>
+          <p:cNvSpPr/>
+          <p:nvPr/>
+        </p:nvSpPr>
+        <p:spPr>
+          <a:xfrm>
+            <a:off x="8615325" y="4409921"/>
+            <a:ext cx="3444949" cy="2250483"/>
+          </a:xfrm>
+          <a:prstGeom prst="roundRect">
+            <a:avLst/>
+          </a:prstGeom>
+          <a:ln w="57150">
+            <a:solidFill>
+              <a:srgbClr val="00B050"/>
+            </a:solidFill>
+          </a:ln>
+        </p:spPr>
+        <p:style>
+          <a:lnRef idx="2">
+            <a:schemeClr val="accent6"/>
+          </a:lnRef>
+          <a:fillRef idx="1">
+            <a:schemeClr val="lt1"/>
+          </a:fillRef>
+          <a:effectRef idx="0">
+            <a:schemeClr val="accent6"/>
+          </a:effectRef>
+          <a:fontRef idx="minor">
+            <a:schemeClr val="dk1"/>
+          </a:fontRef>
+        </p:style>
+        <p:txBody>
+          <a:bodyPr rtlCol="0" anchor="ctr"/>
+          <a:lstStyle/>
+          <a:p>
+            <a:pPr algn="ctr"/>
+            <a:r>
+              <a:rPr lang="ja-JP" altLang="en-US" sz="3200" dirty="0" smtClean="0"/>
+              <a:t>全部終わったらココをクリック</a:t>
+            </a:r>
+            <a:endParaRPr lang="en-US" altLang="ja-JP" sz="3200" dirty="0" smtClean="0"/>
+          </a:p>
+          <a:p>
+            <a:pPr algn="ctr"/>
+            <a:endParaRPr kumimoji="1" lang="en-US" altLang="ja-JP" sz="3200" dirty="0"/>
+          </a:p>
+          <a:p>
+            <a:pPr algn="ctr"/>
+            <a:r>
+              <a:rPr lang="ja-JP" altLang="en-US" sz="3200" dirty="0" smtClean="0"/>
+              <a:t>これで完了</a:t>
+            </a:r>
+            <a:endParaRPr kumimoji="1" lang="ja-JP" altLang="en-US" sz="3200" dirty="0"/>
+          </a:p>
+        </p:txBody>
+      </p:sp>
+      <p:sp>
+        <p:nvSpPr>
+          <p:cNvPr id="17" name="楕円 16"/>
+          <p:cNvSpPr/>
+          <p:nvPr/>
+        </p:nvSpPr>
+        <p:spPr>
+          <a:xfrm>
+            <a:off x="7112960" y="3088757"/>
+            <a:ext cx="1292004" cy="455054"/>
+          </a:xfrm>
+          <a:prstGeom prst="ellipse">
+            <a:avLst/>
+          </a:prstGeom>
+          <a:noFill/>
+          <a:ln w="38100">
+            <a:solidFill>
+              <a:srgbClr val="00B050"/>
+            </a:solidFill>
+          </a:ln>
+        </p:spPr>
+        <p:style>
+          <a:lnRef idx="0">
+            <a:scrgbClr r="0" g="0" b="0"/>
+          </a:lnRef>
+          <a:fillRef idx="0">
+            <a:scrgbClr r="0" g="0" b="0"/>
+          </a:fillRef>
+          <a:effectRef idx="0">
+            <a:scrgbClr r="0" g="0" b="0"/>
+          </a:effectRef>
+          <a:fontRef idx="minor">
+            <a:schemeClr val="dk1"/>
+          </a:fontRef>
+        </p:style>
+        <p:txBody>
+          <a:bodyPr rtlCol="0" anchor="ctr"/>
+          <a:lstStyle/>
+          <a:p>
+            <a:pPr algn="ctr"/>
+            <a:endParaRPr kumimoji="1" lang="ja-JP" altLang="en-US"/>
+          </a:p>
+        </p:txBody>
+      </p:sp>
+      <p:cxnSp>
+        <p:nvCxnSpPr>
+          <p:cNvPr id="18" name="直線矢印コネクタ 17"/>
+          <p:cNvCxnSpPr>
+            <a:stCxn id="16" idx="0"/>
+            <a:endCxn id="17" idx="5"/>
+          </p:cNvCxnSpPr>
+          <p:nvPr/>
+        </p:nvCxnSpPr>
+        <p:spPr>
+          <a:xfrm flipH="1" flipV="1">
+            <a:off x="8215754" y="3477170"/>
+            <a:ext cx="2122046" cy="932751"/>
+          </a:xfrm>
+          <a:prstGeom prst="straightConnector1">
+            <a:avLst/>
+          </a:prstGeom>
+          <a:ln w="57150">
+            <a:solidFill>
+              <a:srgbClr val="00B050"/>
+            </a:solidFill>
+            <a:tailEnd type="triangle"/>
+          </a:ln>
+        </p:spPr>
+        <p:style>
+          <a:lnRef idx="1">
+            <a:schemeClr val="accent1"/>
+          </a:lnRef>
+          <a:fillRef idx="0">
+            <a:schemeClr val="accent1"/>
+          </a:fillRef>
+          <a:effectRef idx="0">
+            <a:schemeClr val="accent1"/>
+          </a:effectRef>
+          <a:fontRef idx="minor">
+            <a:schemeClr val="tx1"/>
+          </a:fontRef>
+        </p:style>
+      </p:cxnSp>
+    </p:spTree>
+    <p:extLst>
+      <p:ext uri="{BB962C8B-B14F-4D97-AF65-F5344CB8AC3E}">
+        <p14:creationId xmlns:p14="http://schemas.microsoft.com/office/powerpoint/2010/main" val="3453144619"/>
+      </p:ext>
+    </p:extLst>
+  </p:cSld>
+  <p:clrMapOvr>
+    <a:masterClrMapping/>
+  </p:clrMapOvr>
+</p:sld>
+</file>
+
+<file path=ppt/slides/slide7.xml><?xml version="1.0" encoding="utf-8"?>
+<p:sld xmlns:a="http://schemas.openxmlformats.org/drawingml/2006/main" xmlns:r="http://schemas.openxmlformats.org/officeDocument/2006/relationships" xmlns:p="http://schemas.openxmlformats.org/presentationml/2006/main">
+  <p:cSld>
+    <p:spTree>
+      <p:nvGrpSpPr>
+        <p:cNvPr id="1" name=""/>
+        <p:cNvGrpSpPr/>
+        <p:nvPr/>
+      </p:nvGrpSpPr>
+      <p:grpSpPr>
+        <a:xfrm>
+          <a:off x="0" y="0"/>
+          <a:ext cx="0" cy="0"/>
+          <a:chOff x="0" y="0"/>
+          <a:chExt cx="0" cy="0"/>
+        </a:xfrm>
+      </p:grpSpPr>
+      <p:sp>
+        <p:nvSpPr>
+          <p:cNvPr id="2" name="タイトル 1"/>
+          <p:cNvSpPr>
+            <a:spLocks noGrp="1"/>
+          </p:cNvSpPr>
+          <p:nvPr>
+            <p:ph type="title"/>
+          </p:nvPr>
+        </p:nvSpPr>
+        <p:spPr>
+          <a:xfrm>
+            <a:off x="838200" y="365125"/>
+            <a:ext cx="10515600" cy="698131"/>
+          </a:xfrm>
+        </p:spPr>
+        <p:txBody>
+          <a:bodyPr/>
+          <a:lstStyle/>
+          <a:p>
+            <a:r>
+              <a:rPr kumimoji="1" lang="en-US" altLang="ja-JP" dirty="0" smtClean="0"/>
+              <a:t>clone</a:t>
+            </a:r>
+            <a:r>
+              <a:rPr kumimoji="1" lang="ja-JP" altLang="en-US" dirty="0" smtClean="0"/>
+              <a:t>してみよう</a:t>
+            </a:r>
+            <a:r>
+              <a:rPr kumimoji="1" lang="en-US" altLang="ja-JP" dirty="0" smtClean="0"/>
+              <a:t>(</a:t>
+            </a:r>
+            <a:r>
+              <a:rPr kumimoji="1" lang="ja-JP" altLang="en-US" dirty="0" smtClean="0"/>
+              <a:t>なんか簡単なやつ</a:t>
+            </a:r>
+            <a:r>
+              <a:rPr kumimoji="1" lang="en-US" altLang="ja-JP" dirty="0" smtClean="0"/>
+              <a:t>)</a:t>
+            </a:r>
+            <a:endParaRPr kumimoji="1" lang="ja-JP" altLang="en-US" dirty="0"/>
+          </a:p>
+        </p:txBody>
+      </p:sp>
+      <p:pic>
+        <p:nvPicPr>
+          <p:cNvPr id="3" name="図 2"/>
+          <p:cNvPicPr>
+            <a:picLocks noChangeAspect="1"/>
+          </p:cNvPicPr>
+          <p:nvPr/>
+        </p:nvPicPr>
+        <p:blipFill>
+          <a:blip r:embed="rId2">
+            <a:extLst>
+              <a:ext uri="{28A0092B-C50C-407E-A947-70E740481C1C}">
+                <a14:useLocalDpi xmlns:a14="http://schemas.microsoft.com/office/drawing/2010/main" val="0"/>
+              </a:ext>
+            </a:extLst>
+          </a:blip>
+          <a:stretch>
+            <a:fillRect/>
+          </a:stretch>
+        </p:blipFill>
+        <p:spPr>
+          <a:xfrm>
+            <a:off x="154393" y="1807535"/>
+            <a:ext cx="7681802" cy="4538550"/>
+          </a:xfrm>
+          <a:prstGeom prst="rect">
+            <a:avLst/>
+          </a:prstGeom>
+        </p:spPr>
+      </p:pic>
+      <p:sp>
+        <p:nvSpPr>
+          <p:cNvPr id="4" name="角丸四角形 3"/>
+          <p:cNvSpPr/>
+          <p:nvPr/>
+        </p:nvSpPr>
+        <p:spPr>
+          <a:xfrm>
+            <a:off x="8133907" y="1222744"/>
+            <a:ext cx="3678865" cy="1850065"/>
+          </a:xfrm>
+          <a:prstGeom prst="roundRect">
+            <a:avLst/>
+          </a:prstGeom>
+          <a:ln w="38100">
+            <a:solidFill>
+              <a:srgbClr val="0070C0"/>
+            </a:solidFill>
+          </a:ln>
+        </p:spPr>
+        <p:style>
+          <a:lnRef idx="2">
+            <a:schemeClr val="accent6"/>
+          </a:lnRef>
+          <a:fillRef idx="1">
+            <a:schemeClr val="lt1"/>
+          </a:fillRef>
+          <a:effectRef idx="0">
+            <a:schemeClr val="accent6"/>
+          </a:effectRef>
+          <a:fontRef idx="minor">
+            <a:schemeClr val="dk1"/>
+          </a:fontRef>
+        </p:style>
+        <p:txBody>
+          <a:bodyPr rtlCol="0" anchor="ctr"/>
+          <a:lstStyle/>
+          <a:p>
+            <a:pPr algn="ctr"/>
+            <a:r>
+              <a:rPr kumimoji="1" lang="ja-JP" altLang="en-US" sz="3200" dirty="0" smtClean="0"/>
+              <a:t>ここは前のやつと一緒</a:t>
+            </a:r>
+            <a:endParaRPr kumimoji="1" lang="ja-JP" altLang="en-US" sz="3200" dirty="0"/>
+          </a:p>
+        </p:txBody>
+      </p:sp>
+      <p:cxnSp>
+        <p:nvCxnSpPr>
+          <p:cNvPr id="6" name="直線矢印コネクタ 5"/>
+          <p:cNvCxnSpPr>
+            <a:stCxn id="4" idx="1"/>
+          </p:cNvCxnSpPr>
+          <p:nvPr/>
+        </p:nvCxnSpPr>
+        <p:spPr>
+          <a:xfrm flipH="1">
+            <a:off x="6283842" y="2147777"/>
+            <a:ext cx="1850065" cy="520995"/>
+          </a:xfrm>
+          <a:prstGeom prst="straightConnector1">
+            <a:avLst/>
+          </a:prstGeom>
+          <a:ln w="57150">
+            <a:solidFill>
+              <a:srgbClr val="0070C0"/>
+            </a:solidFill>
+            <a:tailEnd type="triangle"/>
+          </a:ln>
+        </p:spPr>
+        <p:style>
+          <a:lnRef idx="1">
+            <a:schemeClr val="accent1"/>
+          </a:lnRef>
+          <a:fillRef idx="0">
+            <a:schemeClr val="accent1"/>
+          </a:fillRef>
+          <a:effectRef idx="0">
+            <a:schemeClr val="accent1"/>
+          </a:effectRef>
+          <a:fontRef idx="minor">
+            <a:schemeClr val="tx1"/>
+          </a:fontRef>
+        </p:style>
+      </p:cxnSp>
+      <p:sp>
+        <p:nvSpPr>
+          <p:cNvPr id="8" name="角丸四角形 7"/>
+          <p:cNvSpPr/>
+          <p:nvPr/>
+        </p:nvSpPr>
+        <p:spPr>
+          <a:xfrm>
+            <a:off x="8016949" y="3700130"/>
+            <a:ext cx="4051004" cy="2934586"/>
+          </a:xfrm>
+          <a:prstGeom prst="roundRect">
+            <a:avLst/>
+          </a:prstGeom>
+          <a:ln w="57150"/>
+        </p:spPr>
+        <p:style>
+          <a:lnRef idx="2">
+            <a:schemeClr val="accent6"/>
+          </a:lnRef>
+          <a:fillRef idx="1">
+            <a:schemeClr val="lt1"/>
+          </a:fillRef>
+          <a:effectRef idx="0">
+            <a:schemeClr val="accent6"/>
+          </a:effectRef>
+          <a:fontRef idx="minor">
+            <a:schemeClr val="dk1"/>
+          </a:fontRef>
+        </p:style>
+        <p:txBody>
+          <a:bodyPr rtlCol="0" anchor="ctr"/>
+          <a:lstStyle/>
+          <a:p>
+            <a:pPr algn="ctr"/>
+            <a:r>
+              <a:rPr kumimoji="1" lang="en-US" altLang="ja-JP" sz="3200" dirty="0" err="1" smtClean="0"/>
+              <a:t>KIESpro</a:t>
+            </a:r>
+            <a:r>
+              <a:rPr kumimoji="1" lang="ja-JP" altLang="en-US" sz="3200" dirty="0" smtClean="0"/>
+              <a:t>の中にあるリポジトリを選ぶならここから選んでもオッケー</a:t>
+            </a:r>
+            <a:endParaRPr kumimoji="1" lang="ja-JP" altLang="en-US" sz="3200" dirty="0"/>
+          </a:p>
+        </p:txBody>
+      </p:sp>
+      <p:cxnSp>
+        <p:nvCxnSpPr>
+          <p:cNvPr id="9" name="直線矢印コネクタ 8"/>
+          <p:cNvCxnSpPr>
+            <a:stCxn id="8" idx="1"/>
+          </p:cNvCxnSpPr>
+          <p:nvPr/>
+        </p:nvCxnSpPr>
+        <p:spPr>
+          <a:xfrm flipH="1" flipV="1">
+            <a:off x="6283842" y="3923414"/>
+            <a:ext cx="1733107" cy="1244009"/>
+          </a:xfrm>
+          <a:prstGeom prst="straightConnector1">
+            <a:avLst/>
+          </a:prstGeom>
+          <a:ln w="57150">
+            <a:solidFill>
+              <a:srgbClr val="00B050"/>
+            </a:solidFill>
+            <a:tailEnd type="triangle"/>
+          </a:ln>
+        </p:spPr>
+        <p:style>
+          <a:lnRef idx="1">
+            <a:schemeClr val="accent1"/>
+          </a:lnRef>
+          <a:fillRef idx="0">
+            <a:schemeClr val="accent1"/>
+          </a:fillRef>
+          <a:effectRef idx="0">
+            <a:schemeClr val="accent1"/>
+          </a:effectRef>
+          <a:fontRef idx="minor">
+            <a:schemeClr val="tx1"/>
+          </a:fontRef>
+        </p:style>
+      </p:cxnSp>
+    </p:spTree>
+    <p:extLst>
+      <p:ext uri="{BB962C8B-B14F-4D97-AF65-F5344CB8AC3E}">
+        <p14:creationId xmlns:p14="http://schemas.microsoft.com/office/powerpoint/2010/main" val="1293652121"/>
+      </p:ext>
+    </p:extLst>
+  </p:cSld>
+  <p:clrMapOvr>
+    <a:masterClrMapping/>
+  </p:clrMapOvr>
+</p:sld>
+</file>
+
+<file path=ppt/slides/slide8.xml><?xml version="1.0" encoding="utf-8"?>
+<p:sld xmlns:a="http://schemas.openxmlformats.org/drawingml/2006/main" xmlns:r="http://schemas.openxmlformats.org/officeDocument/2006/relationships" xmlns:p="http://schemas.openxmlformats.org/presentationml/2006/main">
+  <p:cSld>
+    <p:spTree>
+      <p:nvGrpSpPr>
+        <p:cNvPr id="1" name=""/>
+        <p:cNvGrpSpPr/>
+        <p:nvPr/>
+      </p:nvGrpSpPr>
+      <p:grpSpPr>
+        <a:xfrm>
+          <a:off x="0" y="0"/>
+          <a:ext cx="0" cy="0"/>
+          <a:chOff x="0" y="0"/>
+          <a:chExt cx="0" cy="0"/>
+        </a:xfrm>
+      </p:grpSpPr>
+      <p:sp>
+        <p:nvSpPr>
+          <p:cNvPr id="2" name="タイトル 1"/>
+          <p:cNvSpPr>
+            <a:spLocks noGrp="1"/>
+          </p:cNvSpPr>
+          <p:nvPr>
+            <p:ph type="title"/>
+          </p:nvPr>
+        </p:nvSpPr>
+        <p:spPr>
+          <a:xfrm>
+            <a:off x="816935" y="2810613"/>
+            <a:ext cx="10515600" cy="1325563"/>
+          </a:xfrm>
+        </p:spPr>
+        <p:txBody>
+          <a:bodyPr>
+            <a:noAutofit/>
+          </a:bodyPr>
+          <a:lstStyle/>
+          <a:p>
+            <a:pPr algn="ctr"/>
+            <a:r>
+              <a:rPr kumimoji="1" lang="en-US" altLang="ja-JP" sz="6600" dirty="0" smtClean="0"/>
+              <a:t>clone</a:t>
+            </a:r>
+            <a:r>
+              <a:rPr kumimoji="1" lang="ja-JP" altLang="en-US" sz="6600" dirty="0" smtClean="0"/>
+              <a:t>できたらさっそく</a:t>
+            </a:r>
+            <a:r>
+              <a:rPr kumimoji="1" lang="en-US" altLang="ja-JP" sz="6600" dirty="0" smtClean="0"/>
+              <a:t/>
+            </a:r>
+            <a:br>
+              <a:rPr kumimoji="1" lang="en-US" altLang="ja-JP" sz="6600" dirty="0" smtClean="0"/>
+            </a:br>
+            <a:r>
+              <a:rPr kumimoji="1" lang="ja-JP" altLang="en-US" sz="6600" dirty="0" smtClean="0"/>
+              <a:t>開いてみよう</a:t>
+            </a:r>
+            <a:endParaRPr kumimoji="1" lang="ja-JP" altLang="en-US" sz="6600" dirty="0"/>
+          </a:p>
+        </p:txBody>
+      </p:sp>
+      <p:sp>
+        <p:nvSpPr>
+          <p:cNvPr id="3" name="タイトル 1"/>
+          <p:cNvSpPr txBox="1">
+            <a:spLocks/>
+          </p:cNvSpPr>
+          <p:nvPr/>
+        </p:nvSpPr>
+        <p:spPr>
+          <a:xfrm>
+            <a:off x="2489790" y="5355339"/>
+            <a:ext cx="10515600" cy="1325563"/>
+          </a:xfrm>
+          <a:prstGeom prst="rect">
+            <a:avLst/>
+          </a:prstGeom>
+        </p:spPr>
+        <p:txBody>
+          <a:bodyPr vert="horz" lIns="91440" tIns="45720" rIns="91440" bIns="45720" rtlCol="0" anchor="ctr">
+            <a:noAutofit/>
+          </a:bodyPr>
+          <a:lstStyle>
+            <a:lvl1pPr algn="l" defTabSz="914400" rtl="0" eaLnBrk="1" latinLnBrk="0" hangingPunct="1">
+              <a:lnSpc>
+                <a:spcPct val="90000"/>
+              </a:lnSpc>
+              <a:spcBef>
+                <a:spcPct val="0"/>
+              </a:spcBef>
+              <a:buNone/>
+              <a:defRPr kumimoji="1" sz="4400" kern="1200">
+                <a:solidFill>
+                  <a:schemeClr val="tx1"/>
+                </a:solidFill>
+                <a:latin typeface="+mj-lt"/>
+                <a:ea typeface="+mj-ea"/>
+                <a:cs typeface="+mj-cs"/>
+              </a:defRPr>
+            </a:lvl1pPr>
+          </a:lstStyle>
+          <a:p>
+            <a:pPr algn="ctr"/>
+            <a:r>
+              <a:rPr lang="ja-JP" altLang="en-US" sz="2400" dirty="0"/>
+              <a:t>次</a:t>
+            </a:r>
+            <a:r>
+              <a:rPr lang="ja-JP" altLang="en-US" sz="2400" dirty="0" smtClean="0"/>
+              <a:t>は</a:t>
+            </a:r>
+            <a:r>
+              <a:rPr lang="en-US" altLang="ja-JP" sz="2400" dirty="0" smtClean="0"/>
+              <a:t>pull</a:t>
+            </a:r>
+            <a:r>
+              <a:rPr lang="ja-JP" altLang="en-US" sz="2400" dirty="0" smtClean="0"/>
+              <a:t>いきます</a:t>
+            </a:r>
+            <a:r>
+              <a:rPr lang="en-US" altLang="ja-JP" sz="2400" dirty="0" smtClean="0"/>
+              <a:t>........</a:t>
+            </a:r>
+            <a:endParaRPr lang="ja-JP" altLang="en-US" sz="2400" dirty="0"/>
+          </a:p>
+        </p:txBody>
+      </p:sp>
+    </p:spTree>
+    <p:extLst>
+      <p:ext uri="{BB962C8B-B14F-4D97-AF65-F5344CB8AC3E}">
+        <p14:creationId xmlns:p14="http://schemas.microsoft.com/office/powerpoint/2010/main" val="756068021"/>
+      </p:ext>
+    </p:extLst>
+  </p:cSld>
+  <p:clrMapOvr>
+    <a:masterClrMapping/>
+  </p:clrMapOvr>
+</p:sld>
+</file>
+
+<file path=ppt/slides/slide9.xml><?xml version="1.0" encoding="utf-8"?>
+<p:sld xmlns:a="http://schemas.openxmlformats.org/drawingml/2006/main" xmlns:r="http://schemas.openxmlformats.org/officeDocument/2006/relationships" xmlns:p="http://schemas.openxmlformats.org/presentationml/2006/main">
+  <p:cSld>
+    <p:spTree>
+      <p:nvGrpSpPr>
+        <p:cNvPr id="1" name=""/>
+        <p:cNvGrpSpPr/>
+        <p:nvPr/>
+      </p:nvGrpSpPr>
+      <p:grpSpPr>
+        <a:xfrm>
+          <a:off x="0" y="0"/>
+          <a:ext cx="0" cy="0"/>
+          <a:chOff x="0" y="0"/>
+          <a:chExt cx="0" cy="0"/>
+        </a:xfrm>
+      </p:grpSpPr>
+      <p:sp>
+        <p:nvSpPr>
+          <p:cNvPr id="3" name="縦書きテキスト プレースホルダー 2"/>
+          <p:cNvSpPr>
+            <a:spLocks noGrp="1"/>
+          </p:cNvSpPr>
+          <p:nvPr>
+            <p:ph type="body" orient="vert" idx="1"/>
+          </p:nvPr>
+        </p:nvSpPr>
+        <p:spPr>
+          <a:xfrm>
+            <a:off x="636181" y="350874"/>
+            <a:ext cx="10515600" cy="1148317"/>
+          </a:xfrm>
+        </p:spPr>
+        <p:txBody>
+          <a:bodyPr vert="horz"/>
+          <a:lstStyle/>
+          <a:p>
+            <a:pPr marL="0" indent="0">
+              <a:buNone/>
+            </a:pPr>
+            <a:r>
+              <a:rPr kumimoji="1" lang="ja-JP" altLang="en-US" dirty="0" smtClean="0"/>
+              <a:t>・</a:t>
+            </a:r>
+            <a:r>
+              <a:rPr kumimoji="1" lang="en-US" altLang="ja-JP" dirty="0" smtClean="0"/>
+              <a:t>pull</a:t>
+            </a:r>
+          </a:p>
+          <a:p>
+            <a:pPr marL="0" indent="0">
+              <a:buNone/>
+            </a:pPr>
+            <a:r>
+              <a:rPr lang="en-US" altLang="ja-JP" dirty="0" smtClean="0"/>
+              <a:t>  </a:t>
+            </a:r>
+            <a:r>
+              <a:rPr lang="ja-JP" altLang="en-US" dirty="0" smtClean="0"/>
+              <a:t>リモートからローカルに持ってくる</a:t>
+            </a:r>
+            <a:endParaRPr lang="en-US" altLang="ja-JP" dirty="0"/>
+          </a:p>
+          <a:p>
+            <a:pPr marL="0" indent="0">
+              <a:buNone/>
+            </a:pPr>
+            <a:endParaRPr lang="en-US" altLang="ja-JP" dirty="0"/>
+          </a:p>
+          <a:p>
+            <a:pPr marL="0" indent="0">
+              <a:buNone/>
+            </a:pPr>
+            <a:endParaRPr kumimoji="1" lang="en-US" altLang="ja-JP" dirty="0" smtClean="0"/>
+          </a:p>
+          <a:p>
+            <a:pPr marL="0" indent="0">
+              <a:buNone/>
+            </a:pPr>
+            <a:endParaRPr lang="en-US" altLang="ja-JP" dirty="0"/>
+          </a:p>
+        </p:txBody>
+      </p:sp>
+      <p:pic>
+        <p:nvPicPr>
+          <p:cNvPr id="2" name="図 1"/>
+          <p:cNvPicPr>
+            <a:picLocks noChangeAspect="1"/>
+          </p:cNvPicPr>
+          <p:nvPr/>
+        </p:nvPicPr>
+        <p:blipFill>
+          <a:blip r:embed="rId2">
+            <a:extLst>
+              <a:ext uri="{28A0092B-C50C-407E-A947-70E740481C1C}">
+                <a14:useLocalDpi xmlns:a14="http://schemas.microsoft.com/office/drawing/2010/main" val="0"/>
+              </a:ext>
+            </a:extLst>
+          </a:blip>
+          <a:stretch>
+            <a:fillRect/>
+          </a:stretch>
+        </p:blipFill>
+        <p:spPr>
+          <a:xfrm>
+            <a:off x="1156142" y="1283069"/>
+            <a:ext cx="9207565" cy="5287851"/>
+          </a:xfrm>
+          <a:prstGeom prst="rect">
+            <a:avLst/>
+          </a:prstGeom>
+        </p:spPr>
+      </p:pic>
+      <p:sp>
+        <p:nvSpPr>
+          <p:cNvPr id="4" name="楕円 3"/>
+          <p:cNvSpPr/>
+          <p:nvPr/>
+        </p:nvSpPr>
+        <p:spPr>
+          <a:xfrm>
+            <a:off x="4994380" y="1499191"/>
+            <a:ext cx="659219" cy="606056"/>
+          </a:xfrm>
+          <a:prstGeom prst="ellipse">
+            <a:avLst/>
+          </a:prstGeom>
+          <a:noFill/>
+          <a:ln w="57150">
+            <a:solidFill>
+              <a:srgbClr val="FF0000"/>
+            </a:solidFill>
+          </a:ln>
+        </p:spPr>
+        <p:style>
+          <a:lnRef idx="0">
+            <a:scrgbClr r="0" g="0" b="0"/>
+          </a:lnRef>
+          <a:fillRef idx="0">
+            <a:scrgbClr r="0" g="0" b="0"/>
+          </a:fillRef>
+          <a:effectRef idx="0">
+            <a:scrgbClr r="0" g="0" b="0"/>
+          </a:effectRef>
+          <a:fontRef idx="minor">
+            <a:schemeClr val="dk1"/>
+          </a:fontRef>
+        </p:style>
+        <p:txBody>
+          <a:bodyPr rtlCol="0" anchor="ctr"/>
+          <a:lstStyle/>
+          <a:p>
+            <a:pPr algn="ctr"/>
+            <a:endParaRPr kumimoji="1" lang="ja-JP" altLang="en-US"/>
+          </a:p>
+        </p:txBody>
+      </p:sp>
+    </p:spTree>
+    <p:extLst>
+      <p:ext uri="{BB962C8B-B14F-4D97-AF65-F5344CB8AC3E}">
+        <p14:creationId xmlns:p14="http://schemas.microsoft.com/office/powerpoint/2010/main" val="466036895"/>
       </p:ext>
     </p:extLst>
   </p:cSld>

--- a/勉強会資料/H30VRStudy_Document/git_study.pptx
+++ b/勉強会資料/H30VRStudy_Document/git_study.pptx
@@ -5,10 +5,10 @@
     <p:sldMasterId id="2147483696" r:id="rId1"/>
   </p:sldMasterIdLst>
   <p:notesMasterIdLst>
-    <p:notesMasterId r:id="rId15"/>
+    <p:notesMasterId r:id="rId20"/>
   </p:notesMasterIdLst>
   <p:handoutMasterIdLst>
-    <p:handoutMasterId r:id="rId16"/>
+    <p:handoutMasterId r:id="rId21"/>
   </p:handoutMasterIdLst>
   <p:sldIdLst>
     <p:sldId id="256" r:id="rId2"/>
@@ -23,7 +23,12 @@
     <p:sldId id="260" r:id="rId11"/>
     <p:sldId id="261" r:id="rId12"/>
     <p:sldId id="268" r:id="rId13"/>
-    <p:sldId id="259" r:id="rId14"/>
+    <p:sldId id="269" r:id="rId14"/>
+    <p:sldId id="270" r:id="rId15"/>
+    <p:sldId id="271" r:id="rId16"/>
+    <p:sldId id="272" r:id="rId17"/>
+    <p:sldId id="273" r:id="rId18"/>
+    <p:sldId id="274" r:id="rId19"/>
   </p:sldIdLst>
   <p:sldSz cx="12192000" cy="6858000"/>
   <p:notesSz cx="6735763" cy="9866313"/>
@@ -3875,14 +3880,7 @@
                 <a:latin typeface="HGS創英ﾌﾟﾚｾﾞﾝｽEB" panose="02020800000000000000" pitchFamily="18" charset="-128"/>
                 <a:ea typeface="HGS創英ﾌﾟﾚｾﾞﾝｽEB" panose="02020800000000000000" pitchFamily="18" charset="-128"/>
               </a:rPr>
-              <a:t> </a:t>
-            </a:r>
-            <a:r>
-              <a:rPr kumimoji="1" lang="en-US" altLang="ja-JP" dirty="0" smtClean="0">
-                <a:latin typeface="HGS創英ﾌﾟﾚｾﾞﾝｽEB" panose="02020800000000000000" pitchFamily="18" charset="-128"/>
-                <a:ea typeface="HGS創英ﾌﾟﾚｾﾞﾝｽEB" panose="02020800000000000000" pitchFamily="18" charset="-128"/>
-              </a:rPr>
-              <a:t>Study</a:t>
+              <a:t> Study</a:t>
             </a:r>
             <a:endParaRPr kumimoji="1" lang="ja-JP" altLang="en-US" dirty="0">
               <a:latin typeface="HGS創英ﾌﾟﾚｾﾞﾝｽEB" panose="02020800000000000000" pitchFamily="18" charset="-128"/>
@@ -4447,7 +4445,7 @@
         <p:spPr>
           <a:xfrm>
             <a:off x="7697971" y="1669312"/>
-            <a:ext cx="4178595" cy="2246769"/>
+            <a:ext cx="4178595" cy="3539430"/>
           </a:xfrm>
           <a:prstGeom prst="rect">
             <a:avLst/>
@@ -4487,7 +4485,21 @@
             </a:r>
             <a:r>
               <a:rPr kumimoji="1" lang="ja-JP" altLang="en-US" sz="2800" dirty="0" smtClean="0"/>
-              <a:t>に反映される</a:t>
+              <a:t>に反映</a:t>
+            </a:r>
+            <a:r>
+              <a:rPr kumimoji="1" lang="ja-JP" altLang="en-US" sz="2800" dirty="0" smtClean="0"/>
+              <a:t>される</a:t>
+            </a:r>
+            <a:endParaRPr kumimoji="1" lang="en-US" altLang="ja-JP" sz="2800" dirty="0" smtClean="0"/>
+          </a:p>
+          <a:p>
+            <a:endParaRPr lang="en-US" altLang="ja-JP" sz="2800" dirty="0"/>
+          </a:p>
+          <a:p>
+            <a:r>
+              <a:rPr kumimoji="1" lang="ja-JP" altLang="en-US" sz="2800" dirty="0" smtClean="0"/>
+              <a:t>試しにメモ帳に何か書いてここに保存してみよう</a:t>
             </a:r>
             <a:endParaRPr kumimoji="1" lang="ja-JP" altLang="en-US" sz="2800" dirty="0"/>
           </a:p>
@@ -4567,6 +4579,129 @@
           </a:p>
         </p:txBody>
       </p:sp>
+      <p:pic>
+        <p:nvPicPr>
+          <p:cNvPr id="3" name="図 2"/>
+          <p:cNvPicPr>
+            <a:picLocks noChangeAspect="1"/>
+          </p:cNvPicPr>
+          <p:nvPr/>
+        </p:nvPicPr>
+        <p:blipFill>
+          <a:blip r:embed="rId2">
+            <a:extLst>
+              <a:ext uri="{28A0092B-C50C-407E-A947-70E740481C1C}">
+                <a14:useLocalDpi xmlns:a14="http://schemas.microsoft.com/office/drawing/2010/main" val="0"/>
+              </a:ext>
+            </a:extLst>
+          </a:blip>
+          <a:stretch>
+            <a:fillRect/>
+          </a:stretch>
+        </p:blipFill>
+        <p:spPr>
+          <a:xfrm>
+            <a:off x="443097" y="1527544"/>
+            <a:ext cx="6584950" cy="4419600"/>
+          </a:xfrm>
+          <a:prstGeom prst="rect">
+            <a:avLst/>
+          </a:prstGeom>
+        </p:spPr>
+      </p:pic>
+      <p:sp>
+        <p:nvSpPr>
+          <p:cNvPr id="4" name="正方形/長方形 3"/>
+          <p:cNvSpPr/>
+          <p:nvPr/>
+        </p:nvSpPr>
+        <p:spPr>
+          <a:xfrm>
+            <a:off x="7347098" y="1527544"/>
+            <a:ext cx="4412511" cy="2395870"/>
+          </a:xfrm>
+          <a:prstGeom prst="rect">
+            <a:avLst/>
+          </a:prstGeom>
+          <a:ln w="57150"/>
+        </p:spPr>
+        <p:style>
+          <a:lnRef idx="2">
+            <a:schemeClr val="accent6"/>
+          </a:lnRef>
+          <a:fillRef idx="1">
+            <a:schemeClr val="lt1"/>
+          </a:fillRef>
+          <a:effectRef idx="0">
+            <a:schemeClr val="accent6"/>
+          </a:effectRef>
+          <a:fontRef idx="minor">
+            <a:schemeClr val="dk1"/>
+          </a:fontRef>
+        </p:style>
+        <p:txBody>
+          <a:bodyPr rtlCol="0" anchor="ctr"/>
+          <a:lstStyle/>
+          <a:p>
+            <a:pPr algn="ctr"/>
+            <a:r>
+              <a:rPr kumimoji="1" lang="ja-JP" altLang="en-US" sz="3200" dirty="0" smtClean="0"/>
+              <a:t>真ん中の画面に何か増えました</a:t>
+            </a:r>
+            <a:endParaRPr kumimoji="1" lang="en-US" altLang="ja-JP" sz="3200" dirty="0" smtClean="0"/>
+          </a:p>
+          <a:p>
+            <a:pPr algn="ctr"/>
+            <a:endParaRPr lang="en-US" altLang="ja-JP" sz="3200" dirty="0"/>
+          </a:p>
+          <a:p>
+            <a:pPr algn="ctr"/>
+            <a:r>
+              <a:rPr kumimoji="1" lang="ja-JP" altLang="en-US" sz="3200" dirty="0" smtClean="0"/>
+              <a:t>これをクリックします</a:t>
+            </a:r>
+            <a:endParaRPr kumimoji="1" lang="ja-JP" altLang="en-US" sz="3200" dirty="0"/>
+          </a:p>
+        </p:txBody>
+      </p:sp>
+      <p:cxnSp>
+        <p:nvCxnSpPr>
+          <p:cNvPr id="6" name="直線矢印コネクタ 5"/>
+          <p:cNvCxnSpPr>
+            <a:stCxn id="4" idx="1"/>
+          </p:cNvCxnSpPr>
+          <p:nvPr/>
+        </p:nvCxnSpPr>
+        <p:spPr>
+          <a:xfrm flipH="1" flipV="1">
+            <a:off x="4295553" y="2169042"/>
+            <a:ext cx="3051545" cy="556437"/>
+          </a:xfrm>
+          <a:prstGeom prst="straightConnector1">
+            <a:avLst/>
+          </a:prstGeom>
+          <a:ln w="57150">
+            <a:solidFill>
+              <a:srgbClr val="00B050"/>
+            </a:solidFill>
+            <a:tailEnd type="triangle"/>
+          </a:ln>
+        </p:spPr>
+        <p:style>
+          <a:lnRef idx="1">
+            <a:schemeClr val="accent1"/>
+          </a:lnRef>
+          <a:fillRef idx="0">
+            <a:schemeClr val="accent1"/>
+          </a:fillRef>
+          <a:effectRef idx="0">
+            <a:schemeClr val="accent1"/>
+          </a:effectRef>
+          <a:fontRef idx="minor">
+            <a:schemeClr val="tx1"/>
+          </a:fontRef>
+        </p:style>
+      </p:cxnSp>
     </p:spTree>
     <p:extLst>
       <p:ext uri="{BB962C8B-B14F-4D97-AF65-F5344CB8AC3E}">
@@ -4599,22 +4734,1055 @@
       </p:grpSpPr>
       <p:sp>
         <p:nvSpPr>
-          <p:cNvPr id="3" name="縦書きテキスト プレースホルダー 2"/>
+          <p:cNvPr id="2" name="タイトル 1"/>
           <p:cNvSpPr>
             <a:spLocks noGrp="1"/>
           </p:cNvSpPr>
           <p:nvPr>
-            <p:ph type="body" orient="vert" idx="1"/>
-          </p:nvPr>
-        </p:nvSpPr>
-        <p:spPr>
-          <a:xfrm>
-            <a:off x="838200" y="531628"/>
-            <a:ext cx="10515600" cy="5645335"/>
-          </a:xfrm>
-        </p:spPr>
-        <p:txBody>
-          <a:bodyPr vert="horz"/>
+            <p:ph type="title"/>
+          </p:nvPr>
+        </p:nvSpPr>
+        <p:spPr>
+          <a:xfrm>
+            <a:off x="838200" y="365125"/>
+            <a:ext cx="10515600" cy="815089"/>
+          </a:xfrm>
+        </p:spPr>
+        <p:txBody>
+          <a:bodyPr/>
+          <a:lstStyle/>
+          <a:p>
+            <a:r>
+              <a:rPr kumimoji="1" lang="en-US" altLang="ja-JP" dirty="0" smtClean="0"/>
+              <a:t>commit</a:t>
+            </a:r>
+            <a:r>
+              <a:rPr kumimoji="1" lang="ja-JP" altLang="en-US" dirty="0" smtClean="0"/>
+              <a:t>♪</a:t>
+            </a:r>
+            <a:r>
+              <a:rPr kumimoji="1" lang="en-US" altLang="ja-JP" dirty="0" smtClean="0"/>
+              <a:t>commit</a:t>
+            </a:r>
+            <a:r>
+              <a:rPr kumimoji="1" lang="ja-JP" altLang="en-US" dirty="0" smtClean="0"/>
+              <a:t>♪</a:t>
+            </a:r>
+            <a:endParaRPr kumimoji="1" lang="ja-JP" altLang="en-US" dirty="0"/>
+          </a:p>
+        </p:txBody>
+      </p:sp>
+      <p:pic>
+        <p:nvPicPr>
+          <p:cNvPr id="4" name="図 3"/>
+          <p:cNvPicPr>
+            <a:picLocks noChangeAspect="1"/>
+          </p:cNvPicPr>
+          <p:nvPr/>
+        </p:nvPicPr>
+        <p:blipFill>
+          <a:blip r:embed="rId2">
+            <a:extLst>
+              <a:ext uri="{28A0092B-C50C-407E-A947-70E740481C1C}">
+                <a14:useLocalDpi xmlns:a14="http://schemas.microsoft.com/office/drawing/2010/main" val="0"/>
+              </a:ext>
+            </a:extLst>
+          </a:blip>
+          <a:stretch>
+            <a:fillRect/>
+          </a:stretch>
+        </p:blipFill>
+        <p:spPr>
+          <a:xfrm>
+            <a:off x="197441" y="996950"/>
+            <a:ext cx="3822700" cy="5778500"/>
+          </a:xfrm>
+          <a:prstGeom prst="rect">
+            <a:avLst/>
+          </a:prstGeom>
+        </p:spPr>
+      </p:pic>
+      <p:sp>
+        <p:nvSpPr>
+          <p:cNvPr id="5" name="テキスト ボックス 4"/>
+          <p:cNvSpPr txBox="1"/>
+          <p:nvPr/>
+        </p:nvSpPr>
+        <p:spPr>
+          <a:xfrm>
+            <a:off x="5156791" y="1757990"/>
+            <a:ext cx="6049925" cy="4031873"/>
+          </a:xfrm>
+          <a:prstGeom prst="rect">
+            <a:avLst/>
+          </a:prstGeom>
+          <a:noFill/>
+        </p:spPr>
+        <p:txBody>
+          <a:bodyPr wrap="square" rtlCol="0">
+            <a:spAutoFit/>
+          </a:bodyPr>
+          <a:lstStyle/>
+          <a:p>
+            <a:r>
+              <a:rPr kumimoji="1" lang="ja-JP" altLang="en-US" sz="3200" dirty="0" smtClean="0"/>
+              <a:t>・画面右側はこうなってるはず</a:t>
+            </a:r>
+            <a:endParaRPr kumimoji="1" lang="en-US" altLang="ja-JP" sz="3200" dirty="0" smtClean="0"/>
+          </a:p>
+          <a:p>
+            <a:endParaRPr lang="en-US" altLang="ja-JP" sz="3200" dirty="0"/>
+          </a:p>
+          <a:p>
+            <a:r>
+              <a:rPr kumimoji="1" lang="ja-JP" altLang="en-US" sz="3200" dirty="0" smtClean="0"/>
+              <a:t>・今から</a:t>
+            </a:r>
+            <a:r>
+              <a:rPr kumimoji="1" lang="en-US" altLang="ja-JP" sz="3200" dirty="0" smtClean="0"/>
+              <a:t>commit</a:t>
+            </a:r>
+            <a:r>
+              <a:rPr kumimoji="1" lang="ja-JP" altLang="en-US" sz="3200" dirty="0" smtClean="0"/>
+              <a:t>するファイルを選択します</a:t>
+            </a:r>
+            <a:endParaRPr kumimoji="1" lang="en-US" altLang="ja-JP" sz="3200" dirty="0" smtClean="0"/>
+          </a:p>
+          <a:p>
+            <a:endParaRPr lang="en-US" altLang="ja-JP" sz="3200" dirty="0"/>
+          </a:p>
+          <a:p>
+            <a:r>
+              <a:rPr kumimoji="1" lang="ja-JP" altLang="en-US" sz="3200" dirty="0" smtClean="0"/>
+              <a:t>・</a:t>
+            </a:r>
+            <a:r>
+              <a:rPr kumimoji="1" lang="en-US" altLang="ja-JP" sz="3200" dirty="0" smtClean="0"/>
+              <a:t>”Stage all changes”</a:t>
+            </a:r>
+            <a:r>
+              <a:rPr kumimoji="1" lang="ja-JP" altLang="en-US" sz="3200" dirty="0" smtClean="0"/>
+              <a:t>を押すとこのファイルが</a:t>
+            </a:r>
+            <a:endParaRPr lang="en-US" altLang="ja-JP" sz="3200" dirty="0"/>
+          </a:p>
+          <a:p>
+            <a:r>
+              <a:rPr kumimoji="1" lang="en-US" altLang="ja-JP" sz="3200" dirty="0" smtClean="0"/>
+              <a:t>    “Staged Files”</a:t>
+            </a:r>
+            <a:r>
+              <a:rPr kumimoji="1" lang="ja-JP" altLang="en-US" sz="3200" dirty="0" smtClean="0"/>
+              <a:t>に移動します</a:t>
+            </a:r>
+            <a:endParaRPr kumimoji="1" lang="ja-JP" altLang="en-US" sz="3200" dirty="0"/>
+          </a:p>
+        </p:txBody>
+      </p:sp>
+    </p:spTree>
+    <p:extLst>
+      <p:ext uri="{BB962C8B-B14F-4D97-AF65-F5344CB8AC3E}">
+        <p14:creationId xmlns:p14="http://schemas.microsoft.com/office/powerpoint/2010/main" val="4187816395"/>
+      </p:ext>
+    </p:extLst>
+  </p:cSld>
+  <p:clrMapOvr>
+    <a:masterClrMapping/>
+  </p:clrMapOvr>
+</p:sld>
+</file>
+
+<file path=ppt/slides/slide14.xml><?xml version="1.0" encoding="utf-8"?>
+<p:sld xmlns:a="http://schemas.openxmlformats.org/drawingml/2006/main" xmlns:r="http://schemas.openxmlformats.org/officeDocument/2006/relationships" xmlns:p="http://schemas.openxmlformats.org/presentationml/2006/main">
+  <p:cSld>
+    <p:spTree>
+      <p:nvGrpSpPr>
+        <p:cNvPr id="1" name=""/>
+        <p:cNvGrpSpPr/>
+        <p:nvPr/>
+      </p:nvGrpSpPr>
+      <p:grpSpPr>
+        <a:xfrm>
+          <a:off x="0" y="0"/>
+          <a:ext cx="0" cy="0"/>
+          <a:chOff x="0" y="0"/>
+          <a:chExt cx="0" cy="0"/>
+        </a:xfrm>
+      </p:grpSpPr>
+      <p:sp>
+        <p:nvSpPr>
+          <p:cNvPr id="2" name="タイトル 1"/>
+          <p:cNvSpPr>
+            <a:spLocks noGrp="1"/>
+          </p:cNvSpPr>
+          <p:nvPr>
+            <p:ph type="title"/>
+          </p:nvPr>
+        </p:nvSpPr>
+        <p:spPr>
+          <a:xfrm>
+            <a:off x="827568" y="138223"/>
+            <a:ext cx="10515600" cy="836354"/>
+          </a:xfrm>
+        </p:spPr>
+        <p:txBody>
+          <a:bodyPr/>
+          <a:lstStyle/>
+          <a:p>
+            <a:r>
+              <a:rPr kumimoji="1" lang="ja-JP" altLang="en-US" dirty="0" smtClean="0"/>
+              <a:t>さぁ</a:t>
+            </a:r>
+            <a:r>
+              <a:rPr kumimoji="1" lang="en-US" altLang="ja-JP" dirty="0" smtClean="0"/>
+              <a:t>commit</a:t>
+            </a:r>
+            <a:r>
+              <a:rPr kumimoji="1" lang="ja-JP" altLang="en-US" dirty="0" smtClean="0"/>
+              <a:t>だ</a:t>
+            </a:r>
+            <a:endParaRPr kumimoji="1" lang="ja-JP" altLang="en-US" dirty="0"/>
+          </a:p>
+        </p:txBody>
+      </p:sp>
+      <p:pic>
+        <p:nvPicPr>
+          <p:cNvPr id="4" name="図 3"/>
+          <p:cNvPicPr>
+            <a:picLocks noChangeAspect="1"/>
+          </p:cNvPicPr>
+          <p:nvPr/>
+        </p:nvPicPr>
+        <p:blipFill>
+          <a:blip r:embed="rId2">
+            <a:extLst>
+              <a:ext uri="{28A0092B-C50C-407E-A947-70E740481C1C}">
+                <a14:useLocalDpi xmlns:a14="http://schemas.microsoft.com/office/drawing/2010/main" val="0"/>
+              </a:ext>
+            </a:extLst>
+          </a:blip>
+          <a:stretch>
+            <a:fillRect/>
+          </a:stretch>
+        </p:blipFill>
+        <p:spPr>
+          <a:xfrm>
+            <a:off x="178243" y="974577"/>
+            <a:ext cx="3797300" cy="5759450"/>
+          </a:xfrm>
+          <a:prstGeom prst="rect">
+            <a:avLst/>
+          </a:prstGeom>
+        </p:spPr>
+      </p:pic>
+      <p:cxnSp>
+        <p:nvCxnSpPr>
+          <p:cNvPr id="6" name="直線矢印コネクタ 5"/>
+          <p:cNvCxnSpPr/>
+          <p:nvPr/>
+        </p:nvCxnSpPr>
+        <p:spPr>
+          <a:xfrm>
+            <a:off x="2076893" y="2094614"/>
+            <a:ext cx="0" cy="1392865"/>
+          </a:xfrm>
+          <a:prstGeom prst="straightConnector1">
+            <a:avLst/>
+          </a:prstGeom>
+          <a:ln w="57150">
+            <a:solidFill>
+              <a:srgbClr val="FF0000"/>
+            </a:solidFill>
+            <a:tailEnd type="triangle"/>
+          </a:ln>
+        </p:spPr>
+        <p:style>
+          <a:lnRef idx="1">
+            <a:schemeClr val="accent1"/>
+          </a:lnRef>
+          <a:fillRef idx="0">
+            <a:schemeClr val="accent1"/>
+          </a:fillRef>
+          <a:effectRef idx="0">
+            <a:schemeClr val="accent1"/>
+          </a:effectRef>
+          <a:fontRef idx="minor">
+            <a:schemeClr val="tx1"/>
+          </a:fontRef>
+        </p:style>
+      </p:cxnSp>
+      <p:sp>
+        <p:nvSpPr>
+          <p:cNvPr id="7" name="角丸四角形 6"/>
+          <p:cNvSpPr/>
+          <p:nvPr/>
+        </p:nvSpPr>
+        <p:spPr>
+          <a:xfrm>
+            <a:off x="4954771" y="1084520"/>
+            <a:ext cx="4667693" cy="2402959"/>
+          </a:xfrm>
+          <a:prstGeom prst="roundRect">
+            <a:avLst/>
+          </a:prstGeom>
+          <a:ln w="57150">
+            <a:solidFill>
+              <a:srgbClr val="FF0000"/>
+            </a:solidFill>
+          </a:ln>
+        </p:spPr>
+        <p:style>
+          <a:lnRef idx="2">
+            <a:schemeClr val="accent6"/>
+          </a:lnRef>
+          <a:fillRef idx="1">
+            <a:schemeClr val="lt1"/>
+          </a:fillRef>
+          <a:effectRef idx="0">
+            <a:schemeClr val="accent6"/>
+          </a:effectRef>
+          <a:fontRef idx="minor">
+            <a:schemeClr val="dk1"/>
+          </a:fontRef>
+        </p:style>
+        <p:txBody>
+          <a:bodyPr rtlCol="0" anchor="ctr"/>
+          <a:lstStyle/>
+          <a:p>
+            <a:pPr algn="ctr"/>
+            <a:r>
+              <a:rPr kumimoji="1" lang="ja-JP" altLang="en-US" sz="2400" dirty="0" smtClean="0"/>
+              <a:t>こんな感じに移動します</a:t>
+            </a:r>
+            <a:endParaRPr kumimoji="1" lang="en-US" altLang="ja-JP" sz="2400" dirty="0" smtClean="0"/>
+          </a:p>
+          <a:p>
+            <a:pPr algn="ctr"/>
+            <a:endParaRPr lang="en-US" altLang="ja-JP" sz="2400" dirty="0"/>
+          </a:p>
+          <a:p>
+            <a:pPr algn="ctr"/>
+            <a:r>
+              <a:rPr kumimoji="1" lang="ja-JP" altLang="en-US" sz="2400" dirty="0" smtClean="0"/>
+              <a:t>最後に</a:t>
+            </a:r>
+            <a:r>
+              <a:rPr kumimoji="1" lang="en-US" altLang="ja-JP" sz="2400" dirty="0" smtClean="0"/>
+              <a:t>”</a:t>
+            </a:r>
+            <a:r>
+              <a:rPr lang="en-US" altLang="ja-JP" sz="2400" dirty="0" smtClean="0"/>
+              <a:t>C</a:t>
+            </a:r>
+            <a:r>
+              <a:rPr kumimoji="1" lang="en-US" altLang="ja-JP" sz="2400" dirty="0" smtClean="0"/>
+              <a:t>ommit Message”</a:t>
+            </a:r>
+          </a:p>
+          <a:p>
+            <a:pPr algn="ctr"/>
+            <a:r>
+              <a:rPr lang="ja-JP" altLang="en-US" sz="2400" dirty="0" smtClean="0"/>
+              <a:t>にメッセージをうち込みま</a:t>
+            </a:r>
+            <a:r>
+              <a:rPr lang="ja-JP" altLang="en-US" sz="2400" dirty="0"/>
+              <a:t>す</a:t>
+            </a:r>
+            <a:endParaRPr lang="en-US" altLang="ja-JP" sz="2400" dirty="0" smtClean="0"/>
+          </a:p>
+        </p:txBody>
+      </p:sp>
+      <p:cxnSp>
+        <p:nvCxnSpPr>
+          <p:cNvPr id="9" name="直線矢印コネクタ 8"/>
+          <p:cNvCxnSpPr>
+            <a:stCxn id="7" idx="1"/>
+          </p:cNvCxnSpPr>
+          <p:nvPr/>
+        </p:nvCxnSpPr>
+        <p:spPr>
+          <a:xfrm flipH="1">
+            <a:off x="1967023" y="2286000"/>
+            <a:ext cx="2987748" cy="2860158"/>
+          </a:xfrm>
+          <a:prstGeom prst="straightConnector1">
+            <a:avLst/>
+          </a:prstGeom>
+          <a:ln w="57150">
+            <a:solidFill>
+              <a:srgbClr val="FF0000"/>
+            </a:solidFill>
+            <a:tailEnd type="triangle"/>
+          </a:ln>
+        </p:spPr>
+        <p:style>
+          <a:lnRef idx="1">
+            <a:schemeClr val="accent1"/>
+          </a:lnRef>
+          <a:fillRef idx="0">
+            <a:schemeClr val="accent1"/>
+          </a:fillRef>
+          <a:effectRef idx="0">
+            <a:schemeClr val="accent1"/>
+          </a:effectRef>
+          <a:fontRef idx="minor">
+            <a:schemeClr val="tx1"/>
+          </a:fontRef>
+        </p:style>
+      </p:cxnSp>
+      <p:sp>
+        <p:nvSpPr>
+          <p:cNvPr id="10" name="角丸四角形 9"/>
+          <p:cNvSpPr/>
+          <p:nvPr/>
+        </p:nvSpPr>
+        <p:spPr>
+          <a:xfrm>
+            <a:off x="4954771" y="4774019"/>
+            <a:ext cx="5231220" cy="1860697"/>
+          </a:xfrm>
+          <a:prstGeom prst="roundRect">
+            <a:avLst/>
+          </a:prstGeom>
+          <a:ln w="57150">
+            <a:solidFill>
+              <a:srgbClr val="0070C0"/>
+            </a:solidFill>
+          </a:ln>
+        </p:spPr>
+        <p:style>
+          <a:lnRef idx="2">
+            <a:schemeClr val="accent6"/>
+          </a:lnRef>
+          <a:fillRef idx="1">
+            <a:schemeClr val="lt1"/>
+          </a:fillRef>
+          <a:effectRef idx="0">
+            <a:schemeClr val="accent6"/>
+          </a:effectRef>
+          <a:fontRef idx="minor">
+            <a:schemeClr val="dk1"/>
+          </a:fontRef>
+        </p:style>
+        <p:txBody>
+          <a:bodyPr rtlCol="0" anchor="ctr"/>
+          <a:lstStyle/>
+          <a:p>
+            <a:pPr algn="ctr"/>
+            <a:r>
+              <a:rPr kumimoji="1" lang="ja-JP" altLang="en-US" sz="3600" dirty="0" smtClean="0"/>
+              <a:t>緑のボタンを押すと</a:t>
+            </a:r>
+            <a:r>
+              <a:rPr kumimoji="1" lang="en-US" altLang="ja-JP" sz="3600" dirty="0" smtClean="0"/>
+              <a:t>commit</a:t>
+            </a:r>
+            <a:r>
+              <a:rPr kumimoji="1" lang="ja-JP" altLang="en-US" sz="3600" dirty="0" smtClean="0"/>
+              <a:t>完了です</a:t>
+            </a:r>
+            <a:endParaRPr kumimoji="1" lang="ja-JP" altLang="en-US" sz="3600" dirty="0"/>
+          </a:p>
+        </p:txBody>
+      </p:sp>
+    </p:spTree>
+    <p:extLst>
+      <p:ext uri="{BB962C8B-B14F-4D97-AF65-F5344CB8AC3E}">
+        <p14:creationId xmlns:p14="http://schemas.microsoft.com/office/powerpoint/2010/main" val="2003313704"/>
+      </p:ext>
+    </p:extLst>
+  </p:cSld>
+  <p:clrMapOvr>
+    <a:masterClrMapping/>
+  </p:clrMapOvr>
+</p:sld>
+</file>
+
+<file path=ppt/slides/slide15.xml><?xml version="1.0" encoding="utf-8"?>
+<p:sld xmlns:a="http://schemas.openxmlformats.org/drawingml/2006/main" xmlns:r="http://schemas.openxmlformats.org/officeDocument/2006/relationships" xmlns:p="http://schemas.openxmlformats.org/presentationml/2006/main">
+  <p:cSld>
+    <p:spTree>
+      <p:nvGrpSpPr>
+        <p:cNvPr id="1" name=""/>
+        <p:cNvGrpSpPr/>
+        <p:nvPr/>
+      </p:nvGrpSpPr>
+      <p:grpSpPr>
+        <a:xfrm>
+          <a:off x="0" y="0"/>
+          <a:ext cx="0" cy="0"/>
+          <a:chOff x="0" y="0"/>
+          <a:chExt cx="0" cy="0"/>
+        </a:xfrm>
+      </p:grpSpPr>
+      <p:sp>
+        <p:nvSpPr>
+          <p:cNvPr id="2" name="タイトル 1"/>
+          <p:cNvSpPr>
+            <a:spLocks noGrp="1"/>
+          </p:cNvSpPr>
+          <p:nvPr>
+            <p:ph type="title"/>
+          </p:nvPr>
+        </p:nvSpPr>
+        <p:spPr>
+          <a:xfrm>
+            <a:off x="838200" y="248168"/>
+            <a:ext cx="10515600" cy="804456"/>
+          </a:xfrm>
+        </p:spPr>
+        <p:txBody>
+          <a:bodyPr/>
+          <a:lstStyle/>
+          <a:p>
+            <a:r>
+              <a:rPr kumimoji="1" lang="ja-JP" altLang="en-US" dirty="0" smtClean="0"/>
+              <a:t>多分こんな感じ</a:t>
+            </a:r>
+            <a:endParaRPr kumimoji="1" lang="ja-JP" altLang="en-US" dirty="0"/>
+          </a:p>
+        </p:txBody>
+      </p:sp>
+      <p:pic>
+        <p:nvPicPr>
+          <p:cNvPr id="4" name="図 3"/>
+          <p:cNvPicPr>
+            <a:picLocks noChangeAspect="1"/>
+          </p:cNvPicPr>
+          <p:nvPr/>
+        </p:nvPicPr>
+        <p:blipFill>
+          <a:blip r:embed="rId2">
+            <a:extLst>
+              <a:ext uri="{28A0092B-C50C-407E-A947-70E740481C1C}">
+                <a14:useLocalDpi xmlns:a14="http://schemas.microsoft.com/office/drawing/2010/main" val="0"/>
+              </a:ext>
+            </a:extLst>
+          </a:blip>
+          <a:stretch>
+            <a:fillRect/>
+          </a:stretch>
+        </p:blipFill>
+        <p:spPr>
+          <a:xfrm>
+            <a:off x="357003" y="1248883"/>
+            <a:ext cx="7054850" cy="5295900"/>
+          </a:xfrm>
+          <a:prstGeom prst="rect">
+            <a:avLst/>
+          </a:prstGeom>
+        </p:spPr>
+      </p:pic>
+      <p:sp>
+        <p:nvSpPr>
+          <p:cNvPr id="5" name="角丸四角形 4"/>
+          <p:cNvSpPr/>
+          <p:nvPr/>
+        </p:nvSpPr>
+        <p:spPr>
+          <a:xfrm>
+            <a:off x="7559748" y="512173"/>
+            <a:ext cx="4136065" cy="1826990"/>
+          </a:xfrm>
+          <a:prstGeom prst="roundRect">
+            <a:avLst/>
+          </a:prstGeom>
+          <a:ln w="57150">
+            <a:solidFill>
+              <a:srgbClr val="0070C0"/>
+            </a:solidFill>
+          </a:ln>
+        </p:spPr>
+        <p:style>
+          <a:lnRef idx="2">
+            <a:schemeClr val="accent6"/>
+          </a:lnRef>
+          <a:fillRef idx="1">
+            <a:schemeClr val="lt1"/>
+          </a:fillRef>
+          <a:effectRef idx="0">
+            <a:schemeClr val="accent6"/>
+          </a:effectRef>
+          <a:fontRef idx="minor">
+            <a:schemeClr val="dk1"/>
+          </a:fontRef>
+        </p:style>
+        <p:txBody>
+          <a:bodyPr rtlCol="0" anchor="ctr"/>
+          <a:lstStyle/>
+          <a:p>
+            <a:pPr algn="ctr"/>
+            <a:r>
+              <a:rPr kumimoji="1" lang="ja-JP" altLang="en-US" sz="2800" dirty="0" smtClean="0"/>
+              <a:t>半透明だったものがはっきりしました</a:t>
+            </a:r>
+            <a:endParaRPr kumimoji="1" lang="ja-JP" altLang="en-US" sz="2800" dirty="0"/>
+          </a:p>
+        </p:txBody>
+      </p:sp>
+      <p:sp>
+        <p:nvSpPr>
+          <p:cNvPr id="6" name="テキスト ボックス 5"/>
+          <p:cNvSpPr txBox="1"/>
+          <p:nvPr/>
+        </p:nvSpPr>
+        <p:spPr>
+          <a:xfrm>
+            <a:off x="7740502" y="3125972"/>
+            <a:ext cx="4093535" cy="3108543"/>
+          </a:xfrm>
+          <a:prstGeom prst="rect">
+            <a:avLst/>
+          </a:prstGeom>
+          <a:noFill/>
+        </p:spPr>
+        <p:txBody>
+          <a:bodyPr wrap="square" rtlCol="0">
+            <a:spAutoFit/>
+          </a:bodyPr>
+          <a:lstStyle/>
+          <a:p>
+            <a:r>
+              <a:rPr kumimoji="1" lang="ja-JP" altLang="en-US" sz="2800" dirty="0" smtClean="0"/>
+              <a:t>これでローカルの中でリポジトリを更新することができました</a:t>
+            </a:r>
+            <a:endParaRPr kumimoji="1" lang="en-US" altLang="ja-JP" sz="2800" dirty="0" smtClean="0"/>
+          </a:p>
+          <a:p>
+            <a:endParaRPr lang="en-US" altLang="ja-JP" sz="2800" dirty="0"/>
+          </a:p>
+          <a:p>
+            <a:r>
+              <a:rPr kumimoji="1" lang="ja-JP" altLang="en-US" sz="2800" dirty="0" smtClean="0"/>
+              <a:t>次はこの更新履歴をリモートにあげていきます</a:t>
+            </a:r>
+            <a:r>
+              <a:rPr kumimoji="1" lang="en-US" altLang="ja-JP" sz="2800" dirty="0" smtClean="0"/>
+              <a:t>(push)</a:t>
+            </a:r>
+            <a:endParaRPr kumimoji="1" lang="ja-JP" altLang="en-US" sz="2800" dirty="0"/>
+          </a:p>
+        </p:txBody>
+      </p:sp>
+    </p:spTree>
+    <p:extLst>
+      <p:ext uri="{BB962C8B-B14F-4D97-AF65-F5344CB8AC3E}">
+        <p14:creationId xmlns:p14="http://schemas.microsoft.com/office/powerpoint/2010/main" val="2426437100"/>
+      </p:ext>
+    </p:extLst>
+  </p:cSld>
+  <p:clrMapOvr>
+    <a:masterClrMapping/>
+  </p:clrMapOvr>
+</p:sld>
+</file>
+
+<file path=ppt/slides/slide16.xml><?xml version="1.0" encoding="utf-8"?>
+<p:sld xmlns:a="http://schemas.openxmlformats.org/drawingml/2006/main" xmlns:r="http://schemas.openxmlformats.org/officeDocument/2006/relationships" xmlns:p="http://schemas.openxmlformats.org/presentationml/2006/main">
+  <p:cSld>
+    <p:spTree>
+      <p:nvGrpSpPr>
+        <p:cNvPr id="1" name=""/>
+        <p:cNvGrpSpPr/>
+        <p:nvPr/>
+      </p:nvGrpSpPr>
+      <p:grpSpPr>
+        <a:xfrm>
+          <a:off x="0" y="0"/>
+          <a:ext cx="0" cy="0"/>
+          <a:chOff x="0" y="0"/>
+          <a:chExt cx="0" cy="0"/>
+        </a:xfrm>
+      </p:grpSpPr>
+      <p:sp>
+        <p:nvSpPr>
+          <p:cNvPr id="2" name="タイトル 1"/>
+          <p:cNvSpPr>
+            <a:spLocks noGrp="1"/>
+          </p:cNvSpPr>
+          <p:nvPr>
+            <p:ph type="title"/>
+          </p:nvPr>
+        </p:nvSpPr>
+        <p:spPr>
+          <a:xfrm>
+            <a:off x="689344" y="141842"/>
+            <a:ext cx="10515600" cy="985210"/>
+          </a:xfrm>
+        </p:spPr>
+        <p:txBody>
+          <a:bodyPr/>
+          <a:lstStyle/>
+          <a:p>
+            <a:r>
+              <a:rPr lang="ja-JP" altLang="en-US" dirty="0" smtClean="0"/>
+              <a:t>さぁ</a:t>
+            </a:r>
+            <a:r>
+              <a:rPr lang="en-US" altLang="ja-JP" dirty="0" smtClean="0"/>
+              <a:t>push</a:t>
+            </a:r>
+            <a:r>
+              <a:rPr lang="ja-JP" altLang="en-US" dirty="0" smtClean="0"/>
+              <a:t>です</a:t>
+            </a:r>
+            <a:endParaRPr kumimoji="1" lang="ja-JP" altLang="en-US" dirty="0"/>
+          </a:p>
+        </p:txBody>
+      </p:sp>
+      <p:pic>
+        <p:nvPicPr>
+          <p:cNvPr id="4" name="図 3"/>
+          <p:cNvPicPr>
+            <a:picLocks noChangeAspect="1"/>
+          </p:cNvPicPr>
+          <p:nvPr/>
+        </p:nvPicPr>
+        <p:blipFill>
+          <a:blip r:embed="rId2">
+            <a:extLst>
+              <a:ext uri="{28A0092B-C50C-407E-A947-70E740481C1C}">
+                <a14:useLocalDpi xmlns:a14="http://schemas.microsoft.com/office/drawing/2010/main" val="0"/>
+              </a:ext>
+            </a:extLst>
+          </a:blip>
+          <a:stretch>
+            <a:fillRect/>
+          </a:stretch>
+        </p:blipFill>
+        <p:spPr>
+          <a:xfrm>
+            <a:off x="131873" y="1272437"/>
+            <a:ext cx="8547100" cy="4908550"/>
+          </a:xfrm>
+          <a:prstGeom prst="rect">
+            <a:avLst/>
+          </a:prstGeom>
+        </p:spPr>
+      </p:pic>
+      <p:sp>
+        <p:nvSpPr>
+          <p:cNvPr id="5" name="楕円 4"/>
+          <p:cNvSpPr/>
+          <p:nvPr/>
+        </p:nvSpPr>
+        <p:spPr>
+          <a:xfrm>
+            <a:off x="4327451" y="1509822"/>
+            <a:ext cx="489098" cy="478466"/>
+          </a:xfrm>
+          <a:prstGeom prst="ellipse">
+            <a:avLst/>
+          </a:prstGeom>
+          <a:noFill/>
+          <a:ln w="57150">
+            <a:solidFill>
+              <a:srgbClr val="FF0000"/>
+            </a:solidFill>
+          </a:ln>
+        </p:spPr>
+        <p:style>
+          <a:lnRef idx="0">
+            <a:scrgbClr r="0" g="0" b="0"/>
+          </a:lnRef>
+          <a:fillRef idx="0">
+            <a:scrgbClr r="0" g="0" b="0"/>
+          </a:fillRef>
+          <a:effectRef idx="0">
+            <a:scrgbClr r="0" g="0" b="0"/>
+          </a:effectRef>
+          <a:fontRef idx="minor">
+            <a:schemeClr val="dk1"/>
+          </a:fontRef>
+        </p:style>
+        <p:txBody>
+          <a:bodyPr rtlCol="0" anchor="ctr"/>
+          <a:lstStyle/>
+          <a:p>
+            <a:pPr algn="ctr"/>
+            <a:endParaRPr kumimoji="1" lang="ja-JP" altLang="en-US"/>
+          </a:p>
+        </p:txBody>
+      </p:sp>
+      <p:sp>
+        <p:nvSpPr>
+          <p:cNvPr id="6" name="テキスト ボックス 5"/>
+          <p:cNvSpPr txBox="1"/>
+          <p:nvPr/>
+        </p:nvSpPr>
+        <p:spPr>
+          <a:xfrm>
+            <a:off x="8846288" y="425302"/>
+            <a:ext cx="3232298" cy="6278642"/>
+          </a:xfrm>
+          <a:prstGeom prst="rect">
+            <a:avLst/>
+          </a:prstGeom>
+          <a:noFill/>
+        </p:spPr>
+        <p:txBody>
+          <a:bodyPr wrap="square" rtlCol="0">
+            <a:spAutoFit/>
+          </a:bodyPr>
+          <a:lstStyle/>
+          <a:p>
+            <a:r>
+              <a:rPr kumimoji="1" lang="ja-JP" altLang="en-US" sz="3200" dirty="0" smtClean="0"/>
+              <a:t>赤で囲んだボタンを押すだけです</a:t>
+            </a:r>
+            <a:endParaRPr kumimoji="1" lang="en-US" altLang="ja-JP" sz="3200" dirty="0" smtClean="0"/>
+          </a:p>
+          <a:p>
+            <a:endParaRPr lang="en-US" altLang="ja-JP" sz="3200" dirty="0"/>
+          </a:p>
+          <a:p>
+            <a:r>
+              <a:rPr kumimoji="1" lang="en-US" altLang="ja-JP" sz="3200" dirty="0" smtClean="0"/>
+              <a:t>※push</a:t>
+            </a:r>
+            <a:r>
+              <a:rPr kumimoji="1" lang="ja-JP" altLang="en-US" sz="3200" dirty="0" smtClean="0"/>
+              <a:t>する前に</a:t>
+            </a:r>
+            <a:r>
+              <a:rPr kumimoji="1" lang="en-US" altLang="ja-JP" sz="3200" dirty="0" smtClean="0"/>
+              <a:t>pull</a:t>
+            </a:r>
+            <a:r>
+              <a:rPr kumimoji="1" lang="ja-JP" altLang="en-US" sz="3200" dirty="0" smtClean="0"/>
+              <a:t>はしましたか？</a:t>
+            </a:r>
+            <a:endParaRPr kumimoji="1" lang="en-US" altLang="ja-JP" sz="3200" dirty="0" smtClean="0"/>
+          </a:p>
+          <a:p>
+            <a:endParaRPr lang="en-US" altLang="ja-JP" sz="3200" dirty="0"/>
+          </a:p>
+          <a:p>
+            <a:r>
+              <a:rPr kumimoji="1" lang="ja-JP" altLang="en-US" sz="3200" dirty="0" smtClean="0"/>
+              <a:t>一回の</a:t>
+            </a:r>
+            <a:r>
+              <a:rPr kumimoji="1" lang="en-US" altLang="ja-JP" sz="3200" dirty="0" smtClean="0"/>
+              <a:t>push</a:t>
+            </a:r>
+            <a:r>
+              <a:rPr kumimoji="1" lang="ja-JP" altLang="en-US" sz="3200" dirty="0" smtClean="0"/>
+              <a:t>で上げられるファイルの最大容量は</a:t>
+            </a:r>
+            <a:r>
+              <a:rPr kumimoji="1" lang="en-US" altLang="ja-JP" sz="3200" dirty="0" smtClean="0"/>
+              <a:t>100Mb</a:t>
+            </a:r>
+            <a:r>
+              <a:rPr lang="ja-JP" altLang="en-US" sz="3200" dirty="0" smtClean="0"/>
+              <a:t>までで</a:t>
+            </a:r>
+            <a:r>
+              <a:rPr lang="ja-JP" altLang="en-US" sz="3200" dirty="0"/>
+              <a:t>す</a:t>
+            </a:r>
+            <a:endParaRPr kumimoji="1" lang="en-US" altLang="ja-JP" sz="3200" dirty="0" smtClean="0"/>
+          </a:p>
+          <a:p>
+            <a:endParaRPr kumimoji="1" lang="ja-JP" altLang="en-US" dirty="0"/>
+          </a:p>
+        </p:txBody>
+      </p:sp>
+    </p:spTree>
+    <p:extLst>
+      <p:ext uri="{BB962C8B-B14F-4D97-AF65-F5344CB8AC3E}">
+        <p14:creationId xmlns:p14="http://schemas.microsoft.com/office/powerpoint/2010/main" val="81587307"/>
+      </p:ext>
+    </p:extLst>
+  </p:cSld>
+  <p:clrMapOvr>
+    <a:masterClrMapping/>
+  </p:clrMapOvr>
+</p:sld>
+</file>
+
+<file path=ppt/slides/slide17.xml><?xml version="1.0" encoding="utf-8"?>
+<p:sld xmlns:a="http://schemas.openxmlformats.org/drawingml/2006/main" xmlns:r="http://schemas.openxmlformats.org/officeDocument/2006/relationships" xmlns:p="http://schemas.openxmlformats.org/presentationml/2006/main">
+  <p:cSld>
+    <p:spTree>
+      <p:nvGrpSpPr>
+        <p:cNvPr id="1" name=""/>
+        <p:cNvGrpSpPr/>
+        <p:nvPr/>
+      </p:nvGrpSpPr>
+      <p:grpSpPr>
+        <a:xfrm>
+          <a:off x="0" y="0"/>
+          <a:ext cx="0" cy="0"/>
+          <a:chOff x="0" y="0"/>
+          <a:chExt cx="0" cy="0"/>
+        </a:xfrm>
+      </p:grpSpPr>
+      <p:sp>
+        <p:nvSpPr>
+          <p:cNvPr id="2" name="タイトル 1"/>
+          <p:cNvSpPr>
+            <a:spLocks noGrp="1"/>
+          </p:cNvSpPr>
+          <p:nvPr>
+            <p:ph type="title"/>
+          </p:nvPr>
+        </p:nvSpPr>
+        <p:spPr>
+          <a:xfrm>
+            <a:off x="859465" y="2119497"/>
+            <a:ext cx="10515600" cy="1325563"/>
+          </a:xfrm>
+        </p:spPr>
+        <p:txBody>
+          <a:bodyPr/>
+          <a:lstStyle/>
+          <a:p>
+            <a:r>
+              <a:rPr kumimoji="1" lang="ja-JP" altLang="en-US" dirty="0" smtClean="0"/>
+              <a:t>これで更新記録</a:t>
+            </a:r>
+            <a:r>
+              <a:rPr lang="ja-JP" altLang="en-US" dirty="0" smtClean="0"/>
+              <a:t>がリモートにいきました</a:t>
+            </a:r>
+            <a:endParaRPr kumimoji="1" lang="ja-JP" altLang="en-US" dirty="0"/>
+          </a:p>
+        </p:txBody>
+      </p:sp>
+      <p:sp>
+        <p:nvSpPr>
+          <p:cNvPr id="4" name="タイトル 1"/>
+          <p:cNvSpPr txBox="1">
+            <a:spLocks/>
+          </p:cNvSpPr>
+          <p:nvPr/>
+        </p:nvSpPr>
+        <p:spPr>
+          <a:xfrm>
+            <a:off x="6991270" y="5532437"/>
+            <a:ext cx="4383795" cy="1325563"/>
+          </a:xfrm>
+          <a:prstGeom prst="rect">
+            <a:avLst/>
+          </a:prstGeom>
+        </p:spPr>
+        <p:txBody>
+          <a:bodyPr vert="horz" lIns="91440" tIns="45720" rIns="91440" bIns="45720" rtlCol="0" anchor="ctr">
+            <a:normAutofit/>
+          </a:bodyPr>
+          <a:lstStyle>
+            <a:lvl1pPr algn="l" defTabSz="914400" rtl="0" eaLnBrk="1" latinLnBrk="0" hangingPunct="1">
+              <a:lnSpc>
+                <a:spcPct val="90000"/>
+              </a:lnSpc>
+              <a:spcBef>
+                <a:spcPct val="0"/>
+              </a:spcBef>
+              <a:buNone/>
+              <a:defRPr kumimoji="1" sz="4400" kern="1200">
+                <a:solidFill>
+                  <a:schemeClr val="tx1"/>
+                </a:solidFill>
+                <a:latin typeface="+mj-lt"/>
+                <a:ea typeface="+mj-ea"/>
+                <a:cs typeface="+mj-cs"/>
+              </a:defRPr>
+            </a:lvl1pPr>
+          </a:lstStyle>
+          <a:p>
+            <a:r>
+              <a:rPr lang="ja-JP" altLang="en-US" sz="2800" dirty="0"/>
+              <a:t>次</a:t>
+            </a:r>
+            <a:r>
+              <a:rPr lang="ja-JP" altLang="en-US" sz="2800" dirty="0" smtClean="0"/>
+              <a:t>は</a:t>
+            </a:r>
+            <a:r>
+              <a:rPr lang="en-US" altLang="ja-JP" sz="2800" dirty="0" smtClean="0"/>
+              <a:t>branch</a:t>
+            </a:r>
+            <a:r>
+              <a:rPr lang="ja-JP" altLang="en-US" sz="2800" dirty="0" smtClean="0"/>
+              <a:t>していきます</a:t>
+            </a:r>
+            <a:endParaRPr lang="ja-JP" altLang="en-US" sz="2800" dirty="0"/>
+          </a:p>
+        </p:txBody>
+      </p:sp>
+    </p:spTree>
+    <p:extLst>
+      <p:ext uri="{BB962C8B-B14F-4D97-AF65-F5344CB8AC3E}">
+        <p14:creationId xmlns:p14="http://schemas.microsoft.com/office/powerpoint/2010/main" val="1795051300"/>
+      </p:ext>
+    </p:extLst>
+  </p:cSld>
+  <p:clrMapOvr>
+    <a:masterClrMapping/>
+  </p:clrMapOvr>
+</p:sld>
+</file>
+
+<file path=ppt/slides/slide18.xml><?xml version="1.0" encoding="utf-8"?>
+<p:sld xmlns:a="http://schemas.openxmlformats.org/drawingml/2006/main" xmlns:r="http://schemas.openxmlformats.org/officeDocument/2006/relationships" xmlns:p="http://schemas.openxmlformats.org/presentationml/2006/main">
+  <p:cSld>
+    <p:spTree>
+      <p:nvGrpSpPr>
+        <p:cNvPr id="1" name=""/>
+        <p:cNvGrpSpPr/>
+        <p:nvPr/>
+      </p:nvGrpSpPr>
+      <p:grpSpPr>
+        <a:xfrm>
+          <a:off x="0" y="0"/>
+          <a:ext cx="0" cy="0"/>
+          <a:chOff x="0" y="0"/>
+          <a:chExt cx="0" cy="0"/>
+        </a:xfrm>
+      </p:grpSpPr>
+      <p:sp>
+        <p:nvSpPr>
+          <p:cNvPr id="2" name="タイトル 1"/>
+          <p:cNvSpPr>
+            <a:spLocks noGrp="1"/>
+          </p:cNvSpPr>
+          <p:nvPr>
+            <p:ph type="title"/>
+          </p:nvPr>
+        </p:nvSpPr>
+        <p:spPr/>
+        <p:txBody>
+          <a:bodyPr/>
+          <a:lstStyle/>
+          <a:p>
+            <a:r>
+              <a:rPr kumimoji="1" lang="en-US" altLang="ja-JP" dirty="0" smtClean="0"/>
+              <a:t>branch</a:t>
+            </a:r>
+            <a:r>
+              <a:rPr kumimoji="1" lang="ja-JP" altLang="en-US" dirty="0" smtClean="0"/>
+              <a:t>を切っていきます</a:t>
+            </a:r>
+            <a:endParaRPr kumimoji="1" lang="ja-JP" altLang="en-US" dirty="0"/>
+          </a:p>
+        </p:txBody>
+      </p:sp>
+      <p:sp>
+        <p:nvSpPr>
+          <p:cNvPr id="3" name="コンテンツ プレースホルダー 2"/>
+          <p:cNvSpPr>
+            <a:spLocks noGrp="1"/>
+          </p:cNvSpPr>
+          <p:nvPr>
+            <p:ph idx="1"/>
+          </p:nvPr>
+        </p:nvSpPr>
+        <p:spPr/>
+        <p:txBody>
+          <a:bodyPr/>
           <a:lstStyle/>
           <a:p>
             <a:pPr marL="0" indent="0">
@@ -4622,19 +5790,16 @@
             </a:pPr>
             <a:r>
               <a:rPr kumimoji="1" lang="en-US" altLang="ja-JP" dirty="0" smtClean="0"/>
-              <a:t>brunch</a:t>
-            </a:r>
-          </a:p>
-          <a:p>
-            <a:pPr marL="0" indent="0">
-              <a:buNone/>
-            </a:pPr>
-            <a:endParaRPr lang="en-US" altLang="ja-JP"/>
-          </a:p>
-          <a:p>
-            <a:pPr marL="0" indent="0">
-              <a:buNone/>
-            </a:pPr>
+              <a:t>branch</a:t>
+            </a:r>
+            <a:r>
+              <a:rPr kumimoji="1" lang="ja-JP" altLang="en-US" dirty="0" err="1" smtClean="0"/>
+              <a:t>ってな</a:t>
+            </a:r>
+            <a:r>
+              <a:rPr kumimoji="1" lang="ja-JP" altLang="en-US" dirty="0" smtClean="0"/>
+              <a:t>ーに？</a:t>
+            </a:r>
             <a:endParaRPr kumimoji="1" lang="ja-JP" altLang="en-US" dirty="0"/>
           </a:p>
         </p:txBody>
@@ -4642,7 +5807,7 @@
     </p:spTree>
     <p:extLst>
       <p:ext uri="{BB962C8B-B14F-4D97-AF65-F5344CB8AC3E}">
-        <p14:creationId xmlns:p14="http://schemas.microsoft.com/office/powerpoint/2010/main" val="1609194458"/>
+        <p14:creationId xmlns:p14="http://schemas.microsoft.com/office/powerpoint/2010/main" val="1751067179"/>
       </p:ext>
     </p:extLst>
   </p:cSld>
@@ -4727,7 +5892,6 @@
               <a:rPr lang="en-US" altLang="ja-JP" sz="3600" dirty="0" smtClean="0"/>
               <a:t>pull</a:t>
             </a:r>
-            <a:endParaRPr lang="en-US" altLang="ja-JP" sz="3600" dirty="0" smtClean="0"/>
           </a:p>
           <a:p>
             <a:pPr marL="0" indent="0">
@@ -4740,7 +5904,6 @@
               <a:rPr lang="en-US" altLang="ja-JP" sz="3600" dirty="0" smtClean="0"/>
               <a:t>commit</a:t>
             </a:r>
-            <a:endParaRPr lang="en-US" altLang="ja-JP" sz="3600" dirty="0" smtClean="0"/>
           </a:p>
           <a:p>
             <a:endParaRPr kumimoji="1" lang="en-US" altLang="ja-JP" sz="3600" dirty="0"/>
@@ -4750,7 +5913,6 @@
               <a:rPr lang="en-US" altLang="ja-JP" sz="3600" dirty="0" smtClean="0"/>
               <a:t>push</a:t>
             </a:r>
-            <a:endParaRPr lang="en-US" altLang="ja-JP" sz="3600" dirty="0" smtClean="0"/>
           </a:p>
           <a:p>
             <a:endParaRPr lang="en-US" altLang="ja-JP" sz="3600" dirty="0"/>
@@ -4760,7 +5922,6 @@
               <a:rPr lang="en-US" altLang="ja-JP" sz="3600" dirty="0" smtClean="0"/>
               <a:t>branch</a:t>
             </a:r>
-            <a:endParaRPr lang="en-US" altLang="ja-JP" sz="3600" dirty="0" smtClean="0"/>
           </a:p>
           <a:p>
             <a:endParaRPr kumimoji="1" lang="en-US" altLang="ja-JP" dirty="0"/>
@@ -6129,7 +7290,6 @@
               <a:rPr lang="ja-JP" altLang="en-US" sz="3200" dirty="0"/>
               <a:t>まずは画面左上のフォルダマークをクリック</a:t>
             </a:r>
-            <a:endParaRPr lang="ja-JP" altLang="en-US" sz="3200" dirty="0"/>
           </a:p>
         </p:txBody>
       </p:sp>
